--- a/writing/NEPA_Fig_2-powerpoint-slide.pptx
+++ b/writing/NEPA_Fig_2-powerpoint-slide.pptx
@@ -104,6 +104,11 @@
       </a:defRPr>
     </a:lvl9pPr>
   </p:defaultTextStyle>
+  <p:extLst>
+    <p:ext uri="{EFAFB233-063F-42B5-8137-9DF3F51BA10A}">
+      <p15:sldGuideLst xmlns:p15="http://schemas.microsoft.com/office/powerpoint/2012/main"/>
+    </p:ext>
+  </p:extLst>
 </p:presentation>
 </file>
 
@@ -254,7 +259,7 @@
           <a:p>
             <a:fld id="{D55150BE-2609-4186-BA8C-D78E0B3A07EC}" type="datetimeFigureOut">
               <a:rPr lang="en-US" smtClean="0"/>
-              <a:t>9/18/2019</a:t>
+              <a:t>10/9/2019</a:t>
             </a:fld>
             <a:endParaRPr lang="en-US"/>
           </a:p>
@@ -452,7 +457,7 @@
           <a:p>
             <a:fld id="{D55150BE-2609-4186-BA8C-D78E0B3A07EC}" type="datetimeFigureOut">
               <a:rPr lang="en-US" smtClean="0"/>
-              <a:t>9/18/2019</a:t>
+              <a:t>10/9/2019</a:t>
             </a:fld>
             <a:endParaRPr lang="en-US"/>
           </a:p>
@@ -660,7 +665,7 @@
           <a:p>
             <a:fld id="{D55150BE-2609-4186-BA8C-D78E0B3A07EC}" type="datetimeFigureOut">
               <a:rPr lang="en-US" smtClean="0"/>
-              <a:t>9/18/2019</a:t>
+              <a:t>10/9/2019</a:t>
             </a:fld>
             <a:endParaRPr lang="en-US"/>
           </a:p>
@@ -858,7 +863,7 @@
           <a:p>
             <a:fld id="{D55150BE-2609-4186-BA8C-D78E0B3A07EC}" type="datetimeFigureOut">
               <a:rPr lang="en-US" smtClean="0"/>
-              <a:t>9/18/2019</a:t>
+              <a:t>10/9/2019</a:t>
             </a:fld>
             <a:endParaRPr lang="en-US"/>
           </a:p>
@@ -1133,7 +1138,7 @@
           <a:p>
             <a:fld id="{D55150BE-2609-4186-BA8C-D78E0B3A07EC}" type="datetimeFigureOut">
               <a:rPr lang="en-US" smtClean="0"/>
-              <a:t>9/18/2019</a:t>
+              <a:t>10/9/2019</a:t>
             </a:fld>
             <a:endParaRPr lang="en-US"/>
           </a:p>
@@ -1398,7 +1403,7 @@
           <a:p>
             <a:fld id="{D55150BE-2609-4186-BA8C-D78E0B3A07EC}" type="datetimeFigureOut">
               <a:rPr lang="en-US" smtClean="0"/>
-              <a:t>9/18/2019</a:t>
+              <a:t>10/9/2019</a:t>
             </a:fld>
             <a:endParaRPr lang="en-US"/>
           </a:p>
@@ -1810,7 +1815,7 @@
           <a:p>
             <a:fld id="{D55150BE-2609-4186-BA8C-D78E0B3A07EC}" type="datetimeFigureOut">
               <a:rPr lang="en-US" smtClean="0"/>
-              <a:t>9/18/2019</a:t>
+              <a:t>10/9/2019</a:t>
             </a:fld>
             <a:endParaRPr lang="en-US"/>
           </a:p>
@@ -1951,7 +1956,7 @@
           <a:p>
             <a:fld id="{D55150BE-2609-4186-BA8C-D78E0B3A07EC}" type="datetimeFigureOut">
               <a:rPr lang="en-US" smtClean="0"/>
-              <a:t>9/18/2019</a:t>
+              <a:t>10/9/2019</a:t>
             </a:fld>
             <a:endParaRPr lang="en-US"/>
           </a:p>
@@ -2064,7 +2069,7 @@
           <a:p>
             <a:fld id="{D55150BE-2609-4186-BA8C-D78E0B3A07EC}" type="datetimeFigureOut">
               <a:rPr lang="en-US" smtClean="0"/>
-              <a:t>9/18/2019</a:t>
+              <a:t>10/9/2019</a:t>
             </a:fld>
             <a:endParaRPr lang="en-US"/>
           </a:p>
@@ -2375,7 +2380,7 @@
           <a:p>
             <a:fld id="{D55150BE-2609-4186-BA8C-D78E0B3A07EC}" type="datetimeFigureOut">
               <a:rPr lang="en-US" smtClean="0"/>
-              <a:t>9/18/2019</a:t>
+              <a:t>10/9/2019</a:t>
             </a:fld>
             <a:endParaRPr lang="en-US"/>
           </a:p>
@@ -2663,7 +2668,7 @@
           <a:p>
             <a:fld id="{D55150BE-2609-4186-BA8C-D78E0B3A07EC}" type="datetimeFigureOut">
               <a:rPr lang="en-US" smtClean="0"/>
-              <a:t>9/18/2019</a:t>
+              <a:t>10/9/2019</a:t>
             </a:fld>
             <a:endParaRPr lang="en-US"/>
           </a:p>
@@ -2904,7 +2909,7 @@
           <a:p>
             <a:fld id="{D55150BE-2609-4186-BA8C-D78E0B3A07EC}" type="datetimeFigureOut">
               <a:rPr lang="en-US" smtClean="0"/>
-              <a:t>9/18/2019</a:t>
+              <a:t>10/9/2019</a:t>
             </a:fld>
             <a:endParaRPr lang="en-US"/>
           </a:p>
@@ -3323,10 +3328,10 @@
       </p:grpSpPr>
       <p:grpSp>
         <p:nvGrpSpPr>
-          <p:cNvPr id="65" name="Group 64">
-            <a:extLst>
-              <a:ext uri="{FF2B5EF4-FFF2-40B4-BE49-F238E27FC236}">
-                <a16:creationId xmlns:a16="http://schemas.microsoft.com/office/drawing/2014/main" id="{112EAE38-3DB6-4C3D-8FCC-F147A9A24704}"/>
+          <p:cNvPr id="8" name="Group 7">
+            <a:extLst>
+              <a:ext uri="{FF2B5EF4-FFF2-40B4-BE49-F238E27FC236}">
+                <a16:creationId xmlns:a16="http://schemas.microsoft.com/office/drawing/2014/main" id="{FE7DAAFF-46D7-421D-8871-C7485DCE9611}"/>
               </a:ext>
             </a:extLst>
           </p:cNvPr>
@@ -3341,56 +3346,12 @@
             <a:chExt cx="11432377" cy="6755356"/>
           </a:xfrm>
         </p:grpSpPr>
-        <p:cxnSp>
-          <p:nvCxnSpPr>
-            <p:cNvPr id="66" name="Straight Arrow Connector 65">
+        <p:grpSp>
+          <p:nvGrpSpPr>
+            <p:cNvPr id="65" name="Group 64">
               <a:extLst>
                 <a:ext uri="{FF2B5EF4-FFF2-40B4-BE49-F238E27FC236}">
-                  <a16:creationId xmlns:a16="http://schemas.microsoft.com/office/drawing/2014/main" id="{DD5CADCE-96B2-4106-AFDD-F78C3AC408CF}"/>
-                </a:ext>
-              </a:extLst>
-            </p:cNvPr>
-            <p:cNvCxnSpPr>
-              <a:stCxn id="123" idx="2"/>
-            </p:cNvCxnSpPr>
-            <p:nvPr/>
-          </p:nvCxnSpPr>
-          <p:spPr>
-            <a:xfrm flipH="1">
-              <a:off x="1388186" y="1173935"/>
-              <a:ext cx="1" cy="556107"/>
-            </a:xfrm>
-            <a:prstGeom prst="straightConnector1">
-              <a:avLst/>
-            </a:prstGeom>
-            <a:ln w="22225">
-              <a:solidFill>
-                <a:schemeClr val="tx1"/>
-              </a:solidFill>
-              <a:tailEnd type="triangle"/>
-            </a:ln>
-          </p:spPr>
-          <p:style>
-            <a:lnRef idx="1">
-              <a:schemeClr val="accent1"/>
-            </a:lnRef>
-            <a:fillRef idx="0">
-              <a:schemeClr val="accent1"/>
-            </a:fillRef>
-            <a:effectRef idx="0">
-              <a:schemeClr val="accent1"/>
-            </a:effectRef>
-            <a:fontRef idx="minor">
-              <a:schemeClr val="tx1"/>
-            </a:fontRef>
-          </p:style>
-        </p:cxnSp>
-        <p:grpSp>
-          <p:nvGrpSpPr>
-            <p:cNvPr id="67" name="Group 66">
-              <a:extLst>
-                <a:ext uri="{FF2B5EF4-FFF2-40B4-BE49-F238E27FC236}">
-                  <a16:creationId xmlns:a16="http://schemas.microsoft.com/office/drawing/2014/main" id="{48D37310-7D73-4352-A4A9-067C80E8D511}"/>
+                  <a16:creationId xmlns:a16="http://schemas.microsoft.com/office/drawing/2014/main" id="{112EAE38-3DB6-4C3D-8FCC-F147A9A24704}"/>
                 </a:ext>
               </a:extLst>
             </p:cNvPr>
@@ -3401,111 +3362,61 @@
             <a:xfrm>
               <a:off x="376334" y="74331"/>
               <a:ext cx="11432377" cy="6755356"/>
-              <a:chOff x="508855" y="74331"/>
+              <a:chOff x="376334" y="74331"/>
               <a:chExt cx="11432377" cy="6755356"/>
             </a:xfrm>
           </p:grpSpPr>
-          <p:sp>
-            <p:nvSpPr>
-              <p:cNvPr id="68" name="TextBox 67">
+          <p:cxnSp>
+            <p:nvCxnSpPr>
+              <p:cNvPr id="66" name="Straight Arrow Connector 65">
                 <a:extLst>
                   <a:ext uri="{FF2B5EF4-FFF2-40B4-BE49-F238E27FC236}">
-                    <a16:creationId xmlns:a16="http://schemas.microsoft.com/office/drawing/2014/main" id="{1DB9628E-6B56-4E00-A83B-4EAB35D93F1B}"/>
+                    <a16:creationId xmlns:a16="http://schemas.microsoft.com/office/drawing/2014/main" id="{DD5CADCE-96B2-4106-AFDD-F78C3AC408CF}"/>
                   </a:ext>
                 </a:extLst>
               </p:cNvPr>
-              <p:cNvSpPr txBox="1"/>
+              <p:cNvCxnSpPr>
+                <a:cxnSpLocks/>
+                <a:stCxn id="123" idx="2"/>
+              </p:cNvCxnSpPr>
               <p:nvPr/>
-            </p:nvSpPr>
+            </p:nvCxnSpPr>
             <p:spPr>
-              <a:xfrm>
-                <a:off x="514170" y="3136368"/>
-                <a:ext cx="8841865" cy="3693319"/>
+              <a:xfrm flipH="1">
+                <a:off x="1388186" y="1173935"/>
+                <a:ext cx="1" cy="556107"/>
               </a:xfrm>
-              <a:prstGeom prst="rect">
+              <a:prstGeom prst="straightConnector1">
                 <a:avLst/>
               </a:prstGeom>
-              <a:noFill/>
-              <a:ln w="19050">
+              <a:ln w="22225">
                 <a:solidFill>
-                  <a:schemeClr val="tx1">
-                    <a:lumMod val="50000"/>
-                    <a:lumOff val="50000"/>
-                  </a:schemeClr>
+                  <a:schemeClr val="tx1"/>
                 </a:solidFill>
+                <a:tailEnd type="triangle"/>
               </a:ln>
             </p:spPr>
-            <p:txBody>
-              <a:bodyPr wrap="square" rtlCol="0">
-                <a:spAutoFit/>
-              </a:bodyPr>
-              <a:lstStyle/>
-              <a:p>
-                <a:r>
-                  <a:rPr lang="en-US" dirty="0"/>
-                  <a:t>  </a:t>
-                </a:r>
-              </a:p>
-              <a:p>
-                <a:pPr algn="ctr"/>
-                <a:endParaRPr lang="en-US" dirty="0"/>
-              </a:p>
-              <a:p>
-                <a:pPr algn="ctr"/>
-                <a:endParaRPr lang="en-US" dirty="0"/>
-              </a:p>
-              <a:p>
-                <a:pPr algn="ctr"/>
-                <a:endParaRPr lang="en-US" dirty="0"/>
-              </a:p>
-              <a:p>
-                <a:pPr algn="ctr"/>
-                <a:endParaRPr lang="en-US" dirty="0"/>
-              </a:p>
-              <a:p>
-                <a:pPr algn="ctr"/>
-                <a:endParaRPr lang="en-US" dirty="0"/>
-              </a:p>
-              <a:p>
-                <a:pPr algn="ctr"/>
-                <a:endParaRPr lang="en-US" dirty="0"/>
-              </a:p>
-              <a:p>
-                <a:pPr algn="ctr"/>
-                <a:endParaRPr lang="en-US" dirty="0"/>
-              </a:p>
-              <a:p>
-                <a:pPr algn="ctr"/>
-                <a:endParaRPr lang="en-US" dirty="0"/>
-              </a:p>
-              <a:p>
-                <a:pPr algn="ctr"/>
-                <a:endParaRPr lang="en-US" dirty="0"/>
-              </a:p>
-              <a:p>
-                <a:pPr algn="ctr"/>
-                <a:endParaRPr lang="en-US" dirty="0"/>
-              </a:p>
-              <a:p>
-                <a:r>
-                  <a:rPr lang="en-US" dirty="0"/>
-                  <a:t>	        </a:t>
-                </a:r>
-              </a:p>
-              <a:p>
-                <a:r>
-                  <a:rPr lang="en-US" dirty="0"/>
-                  <a:t>		     Pallid Sturgeon Demographic Population Model</a:t>
-                </a:r>
-              </a:p>
-            </p:txBody>
-          </p:sp>
+            <p:style>
+              <a:lnRef idx="1">
+                <a:schemeClr val="accent1"/>
+              </a:lnRef>
+              <a:fillRef idx="0">
+                <a:schemeClr val="accent1"/>
+              </a:fillRef>
+              <a:effectRef idx="0">
+                <a:schemeClr val="accent1"/>
+              </a:effectRef>
+              <a:fontRef idx="minor">
+                <a:schemeClr val="tx1"/>
+              </a:fontRef>
+            </p:style>
+          </p:cxnSp>
           <p:grpSp>
             <p:nvGrpSpPr>
-              <p:cNvPr id="69" name="Group 68">
+              <p:cNvPr id="67" name="Group 66">
                 <a:extLst>
                   <a:ext uri="{FF2B5EF4-FFF2-40B4-BE49-F238E27FC236}">
-                    <a16:creationId xmlns:a16="http://schemas.microsoft.com/office/drawing/2014/main" id="{84FDF953-5BD6-434A-AA14-3595B3E0D675}"/>
+                    <a16:creationId xmlns:a16="http://schemas.microsoft.com/office/drawing/2014/main" id="{48D37310-7D73-4352-A4A9-067C80E8D511}"/>
                   </a:ext>
                 </a:extLst>
               </p:cNvPr>
@@ -3514,18 +3425,18 @@
             </p:nvGrpSpPr>
             <p:grpSpPr>
               <a:xfrm>
-                <a:off x="9608849" y="4221180"/>
-                <a:ext cx="2332383" cy="2031325"/>
-                <a:chOff x="9259401" y="3475593"/>
-                <a:chExt cx="2332383" cy="2031325"/>
+                <a:off x="376334" y="74331"/>
+                <a:ext cx="11432377" cy="6755356"/>
+                <a:chOff x="508855" y="74331"/>
+                <a:chExt cx="11432377" cy="6755356"/>
               </a:xfrm>
             </p:grpSpPr>
             <p:sp>
               <p:nvSpPr>
-                <p:cNvPr id="125" name="TextBox 124">
+                <p:cNvPr id="68" name="TextBox 67">
                   <a:extLst>
                     <a:ext uri="{FF2B5EF4-FFF2-40B4-BE49-F238E27FC236}">
-                      <a16:creationId xmlns:a16="http://schemas.microsoft.com/office/drawing/2014/main" id="{CCEFC545-F7B6-4465-8C36-01256003EAA4}"/>
+                      <a16:creationId xmlns:a16="http://schemas.microsoft.com/office/drawing/2014/main" id="{1DB9628E-6B56-4E00-A83B-4EAB35D93F1B}"/>
                     </a:ext>
                   </a:extLst>
                 </p:cNvPr>
@@ -3534,8 +3445,8 @@
               </p:nvSpPr>
               <p:spPr>
                 <a:xfrm>
-                  <a:off x="9259401" y="3475593"/>
-                  <a:ext cx="2332383" cy="2031325"/>
+                  <a:off x="514170" y="3136368"/>
+                  <a:ext cx="8841865" cy="3693319"/>
                 </a:xfrm>
                 <a:prstGeom prst="rect">
                   <a:avLst/>
@@ -3556,10 +3467,9 @@
                 </a:bodyPr>
                 <a:lstStyle/>
                 <a:p>
-                  <a:pPr algn="ctr"/>
                   <a:r>
                     <a:rPr lang="en-US" dirty="0"/>
-                    <a:t>Population Metrics</a:t>
+                    <a:t>  </a:t>
                   </a:r>
                 </a:p>
                 <a:p>
@@ -3586,348 +3496,6 @@
                   <a:pPr algn="ctr"/>
                   <a:endParaRPr lang="en-US" dirty="0"/>
                 </a:p>
-              </p:txBody>
-            </p:sp>
-            <p:sp>
-              <p:nvSpPr>
-                <p:cNvPr id="126" name="Hexagon 125">
-                  <a:extLst>
-                    <a:ext uri="{FF2B5EF4-FFF2-40B4-BE49-F238E27FC236}">
-                      <a16:creationId xmlns:a16="http://schemas.microsoft.com/office/drawing/2014/main" id="{E2C2C132-003E-44B2-8457-F0C29C7C98E7}"/>
-                    </a:ext>
-                  </a:extLst>
-                </p:cNvPr>
-                <p:cNvSpPr/>
-                <p:nvPr/>
-              </p:nvSpPr>
-              <p:spPr>
-                <a:xfrm>
-                  <a:off x="9622307" y="4069224"/>
-                  <a:ext cx="1700967" cy="917917"/>
-                </a:xfrm>
-                <a:prstGeom prst="hexagon">
-                  <a:avLst/>
-                </a:prstGeom>
-                <a:solidFill>
-                  <a:schemeClr val="accent4">
-                    <a:lumMod val="60000"/>
-                    <a:lumOff val="40000"/>
-                    <a:alpha val="75000"/>
-                  </a:schemeClr>
-                </a:solidFill>
-                <a:ln>
-                  <a:solidFill>
-                    <a:schemeClr val="tx1">
-                      <a:lumMod val="50000"/>
-                      <a:lumOff val="50000"/>
-                    </a:schemeClr>
-                  </a:solidFill>
-                </a:ln>
-              </p:spPr>
-              <p:style>
-                <a:lnRef idx="2">
-                  <a:schemeClr val="accent1">
-                    <a:shade val="50000"/>
-                  </a:schemeClr>
-                </a:lnRef>
-                <a:fillRef idx="1">
-                  <a:schemeClr val="accent1"/>
-                </a:fillRef>
-                <a:effectRef idx="0">
-                  <a:schemeClr val="accent1"/>
-                </a:effectRef>
-                <a:fontRef idx="minor">
-                  <a:schemeClr val="lt1"/>
-                </a:fontRef>
-              </p:style>
-              <p:txBody>
-                <a:bodyPr rtlCol="0" anchor="ctr"/>
-                <a:lstStyle/>
-                <a:p>
-                  <a:pPr algn="ctr"/>
-                  <a:endParaRPr lang="en-US"/>
-                </a:p>
-              </p:txBody>
-            </p:sp>
-            <p:sp>
-              <p:nvSpPr>
-                <p:cNvPr id="127" name="TextBox 126">
-                  <a:extLst>
-                    <a:ext uri="{FF2B5EF4-FFF2-40B4-BE49-F238E27FC236}">
-                      <a16:creationId xmlns:a16="http://schemas.microsoft.com/office/drawing/2014/main" id="{87955FDC-1952-4738-9A04-281D2108D627}"/>
-                    </a:ext>
-                  </a:extLst>
-                </p:cNvPr>
-                <p:cNvSpPr txBox="1"/>
-                <p:nvPr/>
-              </p:nvSpPr>
-              <p:spPr>
-                <a:xfrm>
-                  <a:off x="9617313" y="4063811"/>
-                  <a:ext cx="1700967" cy="923330"/>
-                </a:xfrm>
-                <a:prstGeom prst="rect">
-                  <a:avLst/>
-                </a:prstGeom>
-                <a:noFill/>
-              </p:spPr>
-              <p:txBody>
-                <a:bodyPr wrap="square" rtlCol="0">
-                  <a:spAutoFit/>
-                </a:bodyPr>
-                <a:lstStyle/>
-                <a:p>
-                  <a:pPr algn="ctr"/>
-                  <a:r>
-                    <a:rPr lang="en-US" dirty="0"/>
-                    <a:t>Long-Term Population Growth Rate</a:t>
-                  </a:r>
-                </a:p>
-              </p:txBody>
-            </p:sp>
-          </p:grpSp>
-          <p:grpSp>
-            <p:nvGrpSpPr>
-              <p:cNvPr id="70" name="Group 69">
-                <a:extLst>
-                  <a:ext uri="{FF2B5EF4-FFF2-40B4-BE49-F238E27FC236}">
-                    <a16:creationId xmlns:a16="http://schemas.microsoft.com/office/drawing/2014/main" id="{6A5C71C0-120E-4287-8810-9A00A58F093A}"/>
-                  </a:ext>
-                </a:extLst>
-              </p:cNvPr>
-              <p:cNvGrpSpPr/>
-              <p:nvPr/>
-            </p:nvGrpSpPr>
-            <p:grpSpPr>
-              <a:xfrm>
-                <a:off x="508855" y="74331"/>
-                <a:ext cx="2023707" cy="1200329"/>
-                <a:chOff x="508855" y="140591"/>
-                <a:chExt cx="2023707" cy="1200329"/>
-              </a:xfrm>
-            </p:grpSpPr>
-            <p:sp>
-              <p:nvSpPr>
-                <p:cNvPr id="122" name="TextBox 121">
-                  <a:extLst>
-                    <a:ext uri="{FF2B5EF4-FFF2-40B4-BE49-F238E27FC236}">
-                      <a16:creationId xmlns:a16="http://schemas.microsoft.com/office/drawing/2014/main" id="{5D3DC688-08CE-4678-B0D3-83A7B193A528}"/>
-                    </a:ext>
-                  </a:extLst>
-                </p:cNvPr>
-                <p:cNvSpPr txBox="1"/>
-                <p:nvPr/>
-              </p:nvSpPr>
-              <p:spPr>
-                <a:xfrm>
-                  <a:off x="508855" y="140591"/>
-                  <a:ext cx="2023707" cy="1200329"/>
-                </a:xfrm>
-                <a:prstGeom prst="rect">
-                  <a:avLst/>
-                </a:prstGeom>
-                <a:noFill/>
-                <a:ln w="19050">
-                  <a:solidFill>
-                    <a:schemeClr val="tx1">
-                      <a:lumMod val="50000"/>
-                      <a:lumOff val="50000"/>
-                    </a:schemeClr>
-                  </a:solidFill>
-                  <a:prstDash val="dash"/>
-                </a:ln>
-              </p:spPr>
-              <p:txBody>
-                <a:bodyPr wrap="square" rtlCol="0">
-                  <a:spAutoFit/>
-                </a:bodyPr>
-                <a:lstStyle/>
-                <a:p>
-                  <a:pPr algn="ctr"/>
-                  <a:r>
-                    <a:rPr lang="en-US" dirty="0"/>
-                    <a:t>HEC-</a:t>
-                  </a:r>
-                  <a:r>
-                    <a:rPr lang="en-US" dirty="0" err="1"/>
-                    <a:t>ResSim</a:t>
-                  </a:r>
-                  <a:endParaRPr lang="en-US" dirty="0"/>
-                </a:p>
-                <a:p>
-                  <a:pPr algn="ctr"/>
-                  <a:endParaRPr lang="en-US" dirty="0"/>
-                </a:p>
-                <a:p>
-                  <a:pPr algn="ctr"/>
-                  <a:endParaRPr lang="en-US" dirty="0"/>
-                </a:p>
-                <a:p>
-                  <a:pPr algn="ctr"/>
-                  <a:endParaRPr lang="en-US" dirty="0"/>
-                </a:p>
-              </p:txBody>
-            </p:sp>
-            <p:sp>
-              <p:nvSpPr>
-                <p:cNvPr id="123" name="Rectangle: Rounded Corners 122">
-                  <a:extLst>
-                    <a:ext uri="{FF2B5EF4-FFF2-40B4-BE49-F238E27FC236}">
-                      <a16:creationId xmlns:a16="http://schemas.microsoft.com/office/drawing/2014/main" id="{1C14A1EF-255D-4791-BCCC-A08A438AB92B}"/>
-                    </a:ext>
-                  </a:extLst>
-                </p:cNvPr>
-                <p:cNvSpPr/>
-                <p:nvPr/>
-              </p:nvSpPr>
-              <p:spPr>
-                <a:xfrm>
-                  <a:off x="818342" y="537829"/>
-                  <a:ext cx="1404731" cy="702366"/>
-                </a:xfrm>
-                <a:prstGeom prst="roundRect">
-                  <a:avLst/>
-                </a:prstGeom>
-                <a:solidFill>
-                  <a:schemeClr val="accent5">
-                    <a:lumMod val="75000"/>
-                    <a:alpha val="75000"/>
-                  </a:schemeClr>
-                </a:solidFill>
-                <a:ln>
-                  <a:solidFill>
-                    <a:schemeClr val="tx1">
-                      <a:lumMod val="50000"/>
-                      <a:lumOff val="50000"/>
-                    </a:schemeClr>
-                  </a:solidFill>
-                  <a:prstDash val="dash"/>
-                </a:ln>
-              </p:spPr>
-              <p:style>
-                <a:lnRef idx="2">
-                  <a:schemeClr val="accent1">
-                    <a:shade val="50000"/>
-                  </a:schemeClr>
-                </a:lnRef>
-                <a:fillRef idx="1">
-                  <a:schemeClr val="accent1"/>
-                </a:fillRef>
-                <a:effectRef idx="0">
-                  <a:schemeClr val="accent1"/>
-                </a:effectRef>
-                <a:fontRef idx="minor">
-                  <a:schemeClr val="lt1"/>
-                </a:fontRef>
-              </p:style>
-              <p:txBody>
-                <a:bodyPr rtlCol="0" anchor="ctr"/>
-                <a:lstStyle/>
-                <a:p>
-                  <a:pPr algn="ctr"/>
-                  <a:endParaRPr lang="en-US"/>
-                </a:p>
-              </p:txBody>
-            </p:sp>
-            <p:sp>
-              <p:nvSpPr>
-                <p:cNvPr id="124" name="TextBox 123">
-                  <a:extLst>
-                    <a:ext uri="{FF2B5EF4-FFF2-40B4-BE49-F238E27FC236}">
-                      <a16:creationId xmlns:a16="http://schemas.microsoft.com/office/drawing/2014/main" id="{E9084227-7A5A-4BE4-B9A5-70B59F03F18C}"/>
-                    </a:ext>
-                  </a:extLst>
-                </p:cNvPr>
-                <p:cNvSpPr txBox="1"/>
-                <p:nvPr/>
-              </p:nvSpPr>
-              <p:spPr>
-                <a:xfrm>
-                  <a:off x="824268" y="688390"/>
-                  <a:ext cx="1404731" cy="369332"/>
-                </a:xfrm>
-                <a:prstGeom prst="rect">
-                  <a:avLst/>
-                </a:prstGeom>
-                <a:noFill/>
-              </p:spPr>
-              <p:txBody>
-                <a:bodyPr wrap="square" rtlCol="0">
-                  <a:spAutoFit/>
-                </a:bodyPr>
-                <a:lstStyle/>
-                <a:p>
-                  <a:pPr algn="ctr"/>
-                  <a:r>
-                    <a:rPr lang="en-US" dirty="0"/>
-                    <a:t>Hydrology</a:t>
-                  </a:r>
-                </a:p>
-              </p:txBody>
-            </p:sp>
-          </p:grpSp>
-          <p:grpSp>
-            <p:nvGrpSpPr>
-              <p:cNvPr id="71" name="Group 70">
-                <a:extLst>
-                  <a:ext uri="{FF2B5EF4-FFF2-40B4-BE49-F238E27FC236}">
-                    <a16:creationId xmlns:a16="http://schemas.microsoft.com/office/drawing/2014/main" id="{06751C5A-80B1-45B5-9F29-835066B2FCC8}"/>
-                  </a:ext>
-                </a:extLst>
-              </p:cNvPr>
-              <p:cNvGrpSpPr/>
-              <p:nvPr/>
-            </p:nvGrpSpPr>
-            <p:grpSpPr>
-              <a:xfrm>
-                <a:off x="3566485" y="1179873"/>
-                <a:ext cx="3027415" cy="1754326"/>
-                <a:chOff x="5533489" y="140591"/>
-                <a:chExt cx="3027415" cy="1754326"/>
-              </a:xfrm>
-            </p:grpSpPr>
-            <p:sp>
-              <p:nvSpPr>
-                <p:cNvPr id="118" name="TextBox 117">
-                  <a:extLst>
-                    <a:ext uri="{FF2B5EF4-FFF2-40B4-BE49-F238E27FC236}">
-                      <a16:creationId xmlns:a16="http://schemas.microsoft.com/office/drawing/2014/main" id="{CF508782-4D9D-4238-80D9-3852D7137F7C}"/>
-                    </a:ext>
-                  </a:extLst>
-                </p:cNvPr>
-                <p:cNvSpPr txBox="1"/>
-                <p:nvPr/>
-              </p:nvSpPr>
-              <p:spPr>
-                <a:xfrm>
-                  <a:off x="5533489" y="140591"/>
-                  <a:ext cx="3027415" cy="1754326"/>
-                </a:xfrm>
-                <a:prstGeom prst="rect">
-                  <a:avLst/>
-                </a:prstGeom>
-                <a:noFill/>
-                <a:ln w="19050">
-                  <a:solidFill>
-                    <a:schemeClr val="tx1">
-                      <a:lumMod val="50000"/>
-                      <a:lumOff val="50000"/>
-                    </a:schemeClr>
-                  </a:solidFill>
-                </a:ln>
-              </p:spPr>
-              <p:txBody>
-                <a:bodyPr wrap="square" rtlCol="0">
-                  <a:spAutoFit/>
-                </a:bodyPr>
-                <a:lstStyle/>
-                <a:p>
-                  <a:pPr algn="ctr"/>
-                  <a:r>
-                    <a:rPr lang="en-US" dirty="0"/>
-                    <a:t>HEC-RAS + Free-Embryo Development Model</a:t>
-                  </a:r>
-                </a:p>
                 <a:p>
                   <a:pPr algn="ctr"/>
                   <a:endParaRPr lang="en-US" dirty="0"/>
@@ -3944,14 +3512,26 @@
                   <a:pPr algn="ctr"/>
                   <a:endParaRPr lang="en-US" dirty="0"/>
                 </a:p>
+                <a:p>
+                  <a:r>
+                    <a:rPr lang="en-US" dirty="0"/>
+                    <a:t>	        </a:t>
+                  </a:r>
+                </a:p>
+                <a:p>
+                  <a:r>
+                    <a:rPr lang="en-US" dirty="0"/>
+                    <a:t>		     Pallid Sturgeon Demographic Population Model</a:t>
+                  </a:r>
+                </a:p>
               </p:txBody>
             </p:sp>
             <p:grpSp>
               <p:nvGrpSpPr>
-                <p:cNvPr id="119" name="Group 118">
+                <p:cNvPr id="69" name="Group 68">
                   <a:extLst>
                     <a:ext uri="{FF2B5EF4-FFF2-40B4-BE49-F238E27FC236}">
-                      <a16:creationId xmlns:a16="http://schemas.microsoft.com/office/drawing/2014/main" id="{5D6AA3D8-14B6-4EF8-B4EA-15EBCF864BEC}"/>
+                      <a16:creationId xmlns:a16="http://schemas.microsoft.com/office/drawing/2014/main" id="{84FDF953-5BD6-434A-AA14-3595B3E0D675}"/>
                     </a:ext>
                   </a:extLst>
                 </p:cNvPr>
@@ -3960,18 +3540,86 @@
               </p:nvGrpSpPr>
               <p:grpSpPr>
                 <a:xfrm>
-                  <a:off x="6282955" y="837607"/>
-                  <a:ext cx="1528482" cy="917917"/>
-                  <a:chOff x="4077593" y="1043637"/>
-                  <a:chExt cx="1528482" cy="917917"/>
+                  <a:off x="9608849" y="4221180"/>
+                  <a:ext cx="2332383" cy="2031325"/>
+                  <a:chOff x="9259401" y="3475593"/>
+                  <a:chExt cx="2332383" cy="2031325"/>
                 </a:xfrm>
               </p:grpSpPr>
               <p:sp>
                 <p:nvSpPr>
-                  <p:cNvPr id="120" name="Hexagon 119">
+                  <p:cNvPr id="125" name="TextBox 124">
                     <a:extLst>
                       <a:ext uri="{FF2B5EF4-FFF2-40B4-BE49-F238E27FC236}">
-                        <a16:creationId xmlns:a16="http://schemas.microsoft.com/office/drawing/2014/main" id="{3E25979E-8903-420F-94D0-EE2E5E4232E5}"/>
+                        <a16:creationId xmlns:a16="http://schemas.microsoft.com/office/drawing/2014/main" id="{CCEFC545-F7B6-4465-8C36-01256003EAA4}"/>
+                      </a:ext>
+                    </a:extLst>
+                  </p:cNvPr>
+                  <p:cNvSpPr txBox="1"/>
+                  <p:nvPr/>
+                </p:nvSpPr>
+                <p:spPr>
+                  <a:xfrm>
+                    <a:off x="9259401" y="3475593"/>
+                    <a:ext cx="2332383" cy="2031325"/>
+                  </a:xfrm>
+                  <a:prstGeom prst="rect">
+                    <a:avLst/>
+                  </a:prstGeom>
+                  <a:noFill/>
+                  <a:ln w="19050">
+                    <a:solidFill>
+                      <a:schemeClr val="tx1">
+                        <a:lumMod val="50000"/>
+                        <a:lumOff val="50000"/>
+                      </a:schemeClr>
+                    </a:solidFill>
+                  </a:ln>
+                </p:spPr>
+                <p:txBody>
+                  <a:bodyPr wrap="square" rtlCol="0">
+                    <a:spAutoFit/>
+                  </a:bodyPr>
+                  <a:lstStyle/>
+                  <a:p>
+                    <a:pPr algn="ctr"/>
+                    <a:r>
+                      <a:rPr lang="en-US" dirty="0"/>
+                      <a:t>Population Metrics</a:t>
+                    </a:r>
+                  </a:p>
+                  <a:p>
+                    <a:pPr algn="ctr"/>
+                    <a:endParaRPr lang="en-US" dirty="0"/>
+                  </a:p>
+                  <a:p>
+                    <a:pPr algn="ctr"/>
+                    <a:endParaRPr lang="en-US" dirty="0"/>
+                  </a:p>
+                  <a:p>
+                    <a:pPr algn="ctr"/>
+                    <a:endParaRPr lang="en-US" dirty="0"/>
+                  </a:p>
+                  <a:p>
+                    <a:pPr algn="ctr"/>
+                    <a:endParaRPr lang="en-US" dirty="0"/>
+                  </a:p>
+                  <a:p>
+                    <a:pPr algn="ctr"/>
+                    <a:endParaRPr lang="en-US" dirty="0"/>
+                  </a:p>
+                  <a:p>
+                    <a:pPr algn="ctr"/>
+                    <a:endParaRPr lang="en-US" dirty="0"/>
+                  </a:p>
+                </p:txBody>
+              </p:sp>
+              <p:sp>
+                <p:nvSpPr>
+                  <p:cNvPr id="126" name="Hexagon 125">
+                    <a:extLst>
+                      <a:ext uri="{FF2B5EF4-FFF2-40B4-BE49-F238E27FC236}">
+                        <a16:creationId xmlns:a16="http://schemas.microsoft.com/office/drawing/2014/main" id="{E2C2C132-003E-44B2-8457-F0C29C7C98E7}"/>
                       </a:ext>
                     </a:extLst>
                   </p:cNvPr>
@@ -3980,16 +3628,18 @@
                 </p:nvSpPr>
                 <p:spPr>
                   <a:xfrm>
-                    <a:off x="4077593" y="1043637"/>
-                    <a:ext cx="1516861" cy="917917"/>
+                    <a:off x="9622307" y="4069224"/>
+                    <a:ext cx="1700967" cy="917917"/>
                   </a:xfrm>
                   <a:prstGeom prst="hexagon">
                     <a:avLst/>
                   </a:prstGeom>
                   <a:solidFill>
-                    <a:srgbClr val="C00000">
-                      <a:alpha val="50000"/>
-                    </a:srgbClr>
+                    <a:schemeClr val="accent4">
+                      <a:lumMod val="60000"/>
+                      <a:lumOff val="40000"/>
+                      <a:alpha val="75000"/>
+                    </a:schemeClr>
                   </a:solidFill>
                   <a:ln>
                     <a:solidFill>
@@ -4027,10 +3677,10 @@
               </p:sp>
               <p:sp>
                 <p:nvSpPr>
-                  <p:cNvPr id="121" name="TextBox 120">
+                  <p:cNvPr id="127" name="TextBox 126">
                     <a:extLst>
                       <a:ext uri="{FF2B5EF4-FFF2-40B4-BE49-F238E27FC236}">
-                        <a16:creationId xmlns:a16="http://schemas.microsoft.com/office/drawing/2014/main" id="{BAD58077-FD26-4CB8-8101-179DB71725B4}"/>
+                        <a16:creationId xmlns:a16="http://schemas.microsoft.com/office/drawing/2014/main" id="{87955FDC-1952-4738-9A04-281D2108D627}"/>
                       </a:ext>
                     </a:extLst>
                   </p:cNvPr>
@@ -4039,7 +3689,1333 @@
                 </p:nvSpPr>
                 <p:spPr>
                   <a:xfrm>
-                    <a:off x="4089214" y="1173639"/>
+                    <a:off x="9617313" y="4063811"/>
+                    <a:ext cx="1700967" cy="923330"/>
+                  </a:xfrm>
+                  <a:prstGeom prst="rect">
+                    <a:avLst/>
+                  </a:prstGeom>
+                  <a:noFill/>
+                </p:spPr>
+                <p:txBody>
+                  <a:bodyPr wrap="square" rtlCol="0">
+                    <a:spAutoFit/>
+                  </a:bodyPr>
+                  <a:lstStyle/>
+                  <a:p>
+                    <a:pPr algn="ctr"/>
+                    <a:r>
+                      <a:rPr lang="en-US" dirty="0"/>
+                      <a:t>Long-Term Population Growth Rate</a:t>
+                    </a:r>
+                  </a:p>
+                </p:txBody>
+              </p:sp>
+            </p:grpSp>
+            <p:grpSp>
+              <p:nvGrpSpPr>
+                <p:cNvPr id="70" name="Group 69">
+                  <a:extLst>
+                    <a:ext uri="{FF2B5EF4-FFF2-40B4-BE49-F238E27FC236}">
+                      <a16:creationId xmlns:a16="http://schemas.microsoft.com/office/drawing/2014/main" id="{6A5C71C0-120E-4287-8810-9A00A58F093A}"/>
+                    </a:ext>
+                  </a:extLst>
+                </p:cNvPr>
+                <p:cNvGrpSpPr/>
+                <p:nvPr/>
+              </p:nvGrpSpPr>
+              <p:grpSpPr>
+                <a:xfrm>
+                  <a:off x="508855" y="74331"/>
+                  <a:ext cx="2023707" cy="1200329"/>
+                  <a:chOff x="508855" y="140591"/>
+                  <a:chExt cx="2023707" cy="1200329"/>
+                </a:xfrm>
+              </p:grpSpPr>
+              <p:sp>
+                <p:nvSpPr>
+                  <p:cNvPr id="122" name="TextBox 121">
+                    <a:extLst>
+                      <a:ext uri="{FF2B5EF4-FFF2-40B4-BE49-F238E27FC236}">
+                        <a16:creationId xmlns:a16="http://schemas.microsoft.com/office/drawing/2014/main" id="{5D3DC688-08CE-4678-B0D3-83A7B193A528}"/>
+                      </a:ext>
+                    </a:extLst>
+                  </p:cNvPr>
+                  <p:cNvSpPr txBox="1"/>
+                  <p:nvPr/>
+                </p:nvSpPr>
+                <p:spPr>
+                  <a:xfrm>
+                    <a:off x="508855" y="140591"/>
+                    <a:ext cx="2023707" cy="1200329"/>
+                  </a:xfrm>
+                  <a:prstGeom prst="rect">
+                    <a:avLst/>
+                  </a:prstGeom>
+                  <a:noFill/>
+                  <a:ln w="19050">
+                    <a:solidFill>
+                      <a:schemeClr val="tx1">
+                        <a:lumMod val="50000"/>
+                        <a:lumOff val="50000"/>
+                      </a:schemeClr>
+                    </a:solidFill>
+                    <a:prstDash val="dash"/>
+                  </a:ln>
+                </p:spPr>
+                <p:txBody>
+                  <a:bodyPr wrap="square" rtlCol="0">
+                    <a:spAutoFit/>
+                  </a:bodyPr>
+                  <a:lstStyle/>
+                  <a:p>
+                    <a:pPr algn="ctr"/>
+                    <a:r>
+                      <a:rPr lang="en-US" dirty="0"/>
+                      <a:t>HEC-</a:t>
+                    </a:r>
+                    <a:r>
+                      <a:rPr lang="en-US" dirty="0" err="1"/>
+                      <a:t>ResSim</a:t>
+                    </a:r>
+                    <a:endParaRPr lang="en-US" dirty="0"/>
+                  </a:p>
+                  <a:p>
+                    <a:pPr algn="ctr"/>
+                    <a:endParaRPr lang="en-US" dirty="0"/>
+                  </a:p>
+                  <a:p>
+                    <a:pPr algn="ctr"/>
+                    <a:endParaRPr lang="en-US" dirty="0"/>
+                  </a:p>
+                  <a:p>
+                    <a:pPr algn="ctr"/>
+                    <a:endParaRPr lang="en-US" dirty="0"/>
+                  </a:p>
+                </p:txBody>
+              </p:sp>
+              <p:sp>
+                <p:nvSpPr>
+                  <p:cNvPr id="123" name="Rectangle: Rounded Corners 122">
+                    <a:extLst>
+                      <a:ext uri="{FF2B5EF4-FFF2-40B4-BE49-F238E27FC236}">
+                        <a16:creationId xmlns:a16="http://schemas.microsoft.com/office/drawing/2014/main" id="{1C14A1EF-255D-4791-BCCC-A08A438AB92B}"/>
+                      </a:ext>
+                    </a:extLst>
+                  </p:cNvPr>
+                  <p:cNvSpPr/>
+                  <p:nvPr/>
+                </p:nvSpPr>
+                <p:spPr>
+                  <a:xfrm>
+                    <a:off x="818342" y="537829"/>
+                    <a:ext cx="1404731" cy="702366"/>
+                  </a:xfrm>
+                  <a:prstGeom prst="roundRect">
+                    <a:avLst/>
+                  </a:prstGeom>
+                  <a:solidFill>
+                    <a:schemeClr val="accent5">
+                      <a:lumMod val="75000"/>
+                      <a:alpha val="75000"/>
+                    </a:schemeClr>
+                  </a:solidFill>
+                  <a:ln>
+                    <a:solidFill>
+                      <a:schemeClr val="tx1">
+                        <a:lumMod val="50000"/>
+                        <a:lumOff val="50000"/>
+                      </a:schemeClr>
+                    </a:solidFill>
+                    <a:prstDash val="dash"/>
+                  </a:ln>
+                </p:spPr>
+                <p:style>
+                  <a:lnRef idx="2">
+                    <a:schemeClr val="accent1">
+                      <a:shade val="50000"/>
+                    </a:schemeClr>
+                  </a:lnRef>
+                  <a:fillRef idx="1">
+                    <a:schemeClr val="accent1"/>
+                  </a:fillRef>
+                  <a:effectRef idx="0">
+                    <a:schemeClr val="accent1"/>
+                  </a:effectRef>
+                  <a:fontRef idx="minor">
+                    <a:schemeClr val="lt1"/>
+                  </a:fontRef>
+                </p:style>
+                <p:txBody>
+                  <a:bodyPr rtlCol="0" anchor="ctr"/>
+                  <a:lstStyle/>
+                  <a:p>
+                    <a:pPr algn="ctr"/>
+                    <a:endParaRPr lang="en-US"/>
+                  </a:p>
+                </p:txBody>
+              </p:sp>
+              <p:sp>
+                <p:nvSpPr>
+                  <p:cNvPr id="124" name="TextBox 123">
+                    <a:extLst>
+                      <a:ext uri="{FF2B5EF4-FFF2-40B4-BE49-F238E27FC236}">
+                        <a16:creationId xmlns:a16="http://schemas.microsoft.com/office/drawing/2014/main" id="{E9084227-7A5A-4BE4-B9A5-70B59F03F18C}"/>
+                      </a:ext>
+                    </a:extLst>
+                  </p:cNvPr>
+                  <p:cNvSpPr txBox="1"/>
+                  <p:nvPr/>
+                </p:nvSpPr>
+                <p:spPr>
+                  <a:xfrm>
+                    <a:off x="824268" y="688390"/>
+                    <a:ext cx="1404731" cy="369332"/>
+                  </a:xfrm>
+                  <a:prstGeom prst="rect">
+                    <a:avLst/>
+                  </a:prstGeom>
+                  <a:noFill/>
+                </p:spPr>
+                <p:txBody>
+                  <a:bodyPr wrap="square" rtlCol="0">
+                    <a:spAutoFit/>
+                  </a:bodyPr>
+                  <a:lstStyle/>
+                  <a:p>
+                    <a:pPr algn="ctr"/>
+                    <a:r>
+                      <a:rPr lang="en-US" dirty="0"/>
+                      <a:t>Hydrology</a:t>
+                    </a:r>
+                  </a:p>
+                </p:txBody>
+              </p:sp>
+            </p:grpSp>
+            <p:grpSp>
+              <p:nvGrpSpPr>
+                <p:cNvPr id="71" name="Group 70">
+                  <a:extLst>
+                    <a:ext uri="{FF2B5EF4-FFF2-40B4-BE49-F238E27FC236}">
+                      <a16:creationId xmlns:a16="http://schemas.microsoft.com/office/drawing/2014/main" id="{06751C5A-80B1-45B5-9F29-835066B2FCC8}"/>
+                    </a:ext>
+                  </a:extLst>
+                </p:cNvPr>
+                <p:cNvGrpSpPr/>
+                <p:nvPr/>
+              </p:nvGrpSpPr>
+              <p:grpSpPr>
+                <a:xfrm>
+                  <a:off x="3566485" y="1179873"/>
+                  <a:ext cx="3027415" cy="1754326"/>
+                  <a:chOff x="5533489" y="140591"/>
+                  <a:chExt cx="3027415" cy="1754326"/>
+                </a:xfrm>
+              </p:grpSpPr>
+              <p:sp>
+                <p:nvSpPr>
+                  <p:cNvPr id="118" name="TextBox 117">
+                    <a:extLst>
+                      <a:ext uri="{FF2B5EF4-FFF2-40B4-BE49-F238E27FC236}">
+                        <a16:creationId xmlns:a16="http://schemas.microsoft.com/office/drawing/2014/main" id="{CF508782-4D9D-4238-80D9-3852D7137F7C}"/>
+                      </a:ext>
+                    </a:extLst>
+                  </p:cNvPr>
+                  <p:cNvSpPr txBox="1"/>
+                  <p:nvPr/>
+                </p:nvSpPr>
+                <p:spPr>
+                  <a:xfrm>
+                    <a:off x="5533489" y="140591"/>
+                    <a:ext cx="3027415" cy="1754326"/>
+                  </a:xfrm>
+                  <a:prstGeom prst="rect">
+                    <a:avLst/>
+                  </a:prstGeom>
+                  <a:noFill/>
+                  <a:ln w="19050">
+                    <a:solidFill>
+                      <a:schemeClr val="tx1">
+                        <a:lumMod val="50000"/>
+                        <a:lumOff val="50000"/>
+                      </a:schemeClr>
+                    </a:solidFill>
+                  </a:ln>
+                </p:spPr>
+                <p:txBody>
+                  <a:bodyPr wrap="square" rtlCol="0">
+                    <a:spAutoFit/>
+                  </a:bodyPr>
+                  <a:lstStyle/>
+                  <a:p>
+                    <a:pPr algn="ctr"/>
+                    <a:r>
+                      <a:rPr lang="en-US" dirty="0"/>
+                      <a:t>Integrated Temperature, Drift, &amp; Development Model</a:t>
+                    </a:r>
+                  </a:p>
+                  <a:p>
+                    <a:pPr algn="ctr"/>
+                    <a:endParaRPr lang="en-US" dirty="0"/>
+                  </a:p>
+                  <a:p>
+                    <a:pPr algn="ctr"/>
+                    <a:endParaRPr lang="en-US" dirty="0"/>
+                  </a:p>
+                  <a:p>
+                    <a:pPr algn="ctr"/>
+                    <a:endParaRPr lang="en-US" dirty="0"/>
+                  </a:p>
+                  <a:p>
+                    <a:pPr algn="ctr"/>
+                    <a:endParaRPr lang="en-US" dirty="0"/>
+                  </a:p>
+                </p:txBody>
+              </p:sp>
+              <p:grpSp>
+                <p:nvGrpSpPr>
+                  <p:cNvPr id="119" name="Group 118">
+                    <a:extLst>
+                      <a:ext uri="{FF2B5EF4-FFF2-40B4-BE49-F238E27FC236}">
+                        <a16:creationId xmlns:a16="http://schemas.microsoft.com/office/drawing/2014/main" id="{5D6AA3D8-14B6-4EF8-B4EA-15EBCF864BEC}"/>
+                      </a:ext>
+                    </a:extLst>
+                  </p:cNvPr>
+                  <p:cNvGrpSpPr/>
+                  <p:nvPr/>
+                </p:nvGrpSpPr>
+                <p:grpSpPr>
+                  <a:xfrm>
+                    <a:off x="6282955" y="837607"/>
+                    <a:ext cx="1528482" cy="917917"/>
+                    <a:chOff x="4077593" y="1043637"/>
+                    <a:chExt cx="1528482" cy="917917"/>
+                  </a:xfrm>
+                </p:grpSpPr>
+                <p:sp>
+                  <p:nvSpPr>
+                    <p:cNvPr id="120" name="Hexagon 119">
+                      <a:extLst>
+                        <a:ext uri="{FF2B5EF4-FFF2-40B4-BE49-F238E27FC236}">
+                          <a16:creationId xmlns:a16="http://schemas.microsoft.com/office/drawing/2014/main" id="{3E25979E-8903-420F-94D0-EE2E5E4232E5}"/>
+                        </a:ext>
+                      </a:extLst>
+                    </p:cNvPr>
+                    <p:cNvSpPr/>
+                    <p:nvPr/>
+                  </p:nvSpPr>
+                  <p:spPr>
+                    <a:xfrm>
+                      <a:off x="4077593" y="1043637"/>
+                      <a:ext cx="1516861" cy="917917"/>
+                    </a:xfrm>
+                    <a:prstGeom prst="hexagon">
+                      <a:avLst/>
+                    </a:prstGeom>
+                    <a:solidFill>
+                      <a:srgbClr val="C00000">
+                        <a:alpha val="50000"/>
+                      </a:srgbClr>
+                    </a:solidFill>
+                    <a:ln>
+                      <a:solidFill>
+                        <a:schemeClr val="tx1">
+                          <a:lumMod val="50000"/>
+                          <a:lumOff val="50000"/>
+                        </a:schemeClr>
+                      </a:solidFill>
+                    </a:ln>
+                  </p:spPr>
+                  <p:style>
+                    <a:lnRef idx="2">
+                      <a:schemeClr val="accent1">
+                        <a:shade val="50000"/>
+                      </a:schemeClr>
+                    </a:lnRef>
+                    <a:fillRef idx="1">
+                      <a:schemeClr val="accent1"/>
+                    </a:fillRef>
+                    <a:effectRef idx="0">
+                      <a:schemeClr val="accent1"/>
+                    </a:effectRef>
+                    <a:fontRef idx="minor">
+                      <a:schemeClr val="lt1"/>
+                    </a:fontRef>
+                  </p:style>
+                  <p:txBody>
+                    <a:bodyPr rtlCol="0" anchor="ctr"/>
+                    <a:lstStyle/>
+                    <a:p>
+                      <a:pPr algn="ctr"/>
+                      <a:endParaRPr lang="en-US"/>
+                    </a:p>
+                  </p:txBody>
+                </p:sp>
+                <p:sp>
+                  <p:nvSpPr>
+                    <p:cNvPr id="121" name="TextBox 120">
+                      <a:extLst>
+                        <a:ext uri="{FF2B5EF4-FFF2-40B4-BE49-F238E27FC236}">
+                          <a16:creationId xmlns:a16="http://schemas.microsoft.com/office/drawing/2014/main" id="{BAD58077-FD26-4CB8-8101-179DB71725B4}"/>
+                        </a:ext>
+                      </a:extLst>
+                    </p:cNvPr>
+                    <p:cNvSpPr txBox="1"/>
+                    <p:nvPr/>
+                  </p:nvSpPr>
+                  <p:spPr>
+                    <a:xfrm>
+                      <a:off x="4089214" y="1173639"/>
+                      <a:ext cx="1516861" cy="646331"/>
+                    </a:xfrm>
+                    <a:prstGeom prst="rect">
+                      <a:avLst/>
+                    </a:prstGeom>
+                    <a:noFill/>
+                  </p:spPr>
+                  <p:txBody>
+                    <a:bodyPr wrap="square" rtlCol="0">
+                      <a:spAutoFit/>
+                    </a:bodyPr>
+                    <a:lstStyle/>
+                    <a:p>
+                      <a:pPr algn="ctr"/>
+                      <a:r>
+                        <a:rPr lang="en-US" dirty="0"/>
+                        <a:t>Retention Probability</a:t>
+                      </a:r>
+                    </a:p>
+                  </p:txBody>
+                </p:sp>
+              </p:grpSp>
+            </p:grpSp>
+            <p:cxnSp>
+              <p:nvCxnSpPr>
+                <p:cNvPr id="72" name="Straight Arrow Connector 71">
+                  <a:extLst>
+                    <a:ext uri="{FF2B5EF4-FFF2-40B4-BE49-F238E27FC236}">
+                      <a16:creationId xmlns:a16="http://schemas.microsoft.com/office/drawing/2014/main" id="{501DA091-45B7-44EF-A5FA-3DD5EA10507A}"/>
+                    </a:ext>
+                  </a:extLst>
+                </p:cNvPr>
+                <p:cNvCxnSpPr>
+                  <a:cxnSpLocks/>
+                  <a:stCxn id="123" idx="3"/>
+                  <a:endCxn id="120" idx="3"/>
+                </p:cNvCxnSpPr>
+                <p:nvPr/>
+              </p:nvCxnSpPr>
+              <p:spPr>
+                <a:xfrm>
+                  <a:off x="2223073" y="822752"/>
+                  <a:ext cx="2092878" cy="1513096"/>
+                </a:xfrm>
+                <a:prstGeom prst="straightConnector1">
+                  <a:avLst/>
+                </a:prstGeom>
+                <a:ln w="22225">
+                  <a:solidFill>
+                    <a:schemeClr val="tx1"/>
+                  </a:solidFill>
+                  <a:tailEnd type="triangle"/>
+                </a:ln>
+              </p:spPr>
+              <p:style>
+                <a:lnRef idx="1">
+                  <a:schemeClr val="accent1"/>
+                </a:lnRef>
+                <a:fillRef idx="0">
+                  <a:schemeClr val="accent1"/>
+                </a:fillRef>
+                <a:effectRef idx="0">
+                  <a:schemeClr val="accent1"/>
+                </a:effectRef>
+                <a:fontRef idx="minor">
+                  <a:schemeClr val="tx1"/>
+                </a:fontRef>
+              </p:style>
+            </p:cxnSp>
+            <p:grpSp>
+              <p:nvGrpSpPr>
+                <p:cNvPr id="73" name="Group 72">
+                  <a:extLst>
+                    <a:ext uri="{FF2B5EF4-FFF2-40B4-BE49-F238E27FC236}">
+                      <a16:creationId xmlns:a16="http://schemas.microsoft.com/office/drawing/2014/main" id="{E67E4084-64AE-4259-9E6F-3F04811686E3}"/>
+                    </a:ext>
+                  </a:extLst>
+                </p:cNvPr>
+                <p:cNvGrpSpPr/>
+                <p:nvPr/>
+              </p:nvGrpSpPr>
+              <p:grpSpPr>
+                <a:xfrm>
+                  <a:off x="612806" y="3287614"/>
+                  <a:ext cx="1919756" cy="3395192"/>
+                  <a:chOff x="612806" y="3314118"/>
+                  <a:chExt cx="1919756" cy="3395192"/>
+                </a:xfrm>
+              </p:grpSpPr>
+              <p:grpSp>
+                <p:nvGrpSpPr>
+                  <p:cNvPr id="105" name="Group 104">
+                    <a:extLst>
+                      <a:ext uri="{FF2B5EF4-FFF2-40B4-BE49-F238E27FC236}">
+                        <a16:creationId xmlns:a16="http://schemas.microsoft.com/office/drawing/2014/main" id="{2E1B60AA-31B3-4C83-816F-2FC3369435D6}"/>
+                      </a:ext>
+                    </a:extLst>
+                  </p:cNvPr>
+                  <p:cNvGrpSpPr/>
+                  <p:nvPr/>
+                </p:nvGrpSpPr>
+                <p:grpSpPr>
+                  <a:xfrm>
+                    <a:off x="612806" y="3314118"/>
+                    <a:ext cx="1919756" cy="651866"/>
+                    <a:chOff x="612806" y="3314118"/>
+                    <a:chExt cx="1919756" cy="651866"/>
+                  </a:xfrm>
+                </p:grpSpPr>
+                <p:sp>
+                  <p:nvSpPr>
+                    <p:cNvPr id="116" name="Rectangle: Rounded Corners 115">
+                      <a:extLst>
+                        <a:ext uri="{FF2B5EF4-FFF2-40B4-BE49-F238E27FC236}">
+                          <a16:creationId xmlns:a16="http://schemas.microsoft.com/office/drawing/2014/main" id="{83646A35-FC38-4659-AE21-49CA0775AC0C}"/>
+                        </a:ext>
+                      </a:extLst>
+                    </p:cNvPr>
+                    <p:cNvSpPr/>
+                    <p:nvPr/>
+                  </p:nvSpPr>
+                  <p:spPr>
+                    <a:xfrm>
+                      <a:off x="612806" y="3319653"/>
+                      <a:ext cx="1919756" cy="646331"/>
+                    </a:xfrm>
+                    <a:prstGeom prst="roundRect">
+                      <a:avLst/>
+                    </a:prstGeom>
+                    <a:solidFill>
+                      <a:schemeClr val="accent6">
+                        <a:lumMod val="75000"/>
+                        <a:alpha val="75000"/>
+                      </a:schemeClr>
+                    </a:solidFill>
+                    <a:ln>
+                      <a:solidFill>
+                        <a:schemeClr val="tx1">
+                          <a:lumMod val="50000"/>
+                          <a:lumOff val="50000"/>
+                        </a:schemeClr>
+                      </a:solidFill>
+                    </a:ln>
+                  </p:spPr>
+                  <p:style>
+                    <a:lnRef idx="2">
+                      <a:schemeClr val="accent1">
+                        <a:shade val="50000"/>
+                      </a:schemeClr>
+                    </a:lnRef>
+                    <a:fillRef idx="1">
+                      <a:schemeClr val="accent1"/>
+                    </a:fillRef>
+                    <a:effectRef idx="0">
+                      <a:schemeClr val="accent1"/>
+                    </a:effectRef>
+                    <a:fontRef idx="minor">
+                      <a:schemeClr val="lt1"/>
+                    </a:fontRef>
+                  </p:style>
+                  <p:txBody>
+                    <a:bodyPr rtlCol="0" anchor="ctr"/>
+                    <a:lstStyle/>
+                    <a:p>
+                      <a:pPr algn="ctr"/>
+                      <a:endParaRPr lang="en-US"/>
+                    </a:p>
+                  </p:txBody>
+                </p:sp>
+                <p:sp>
+                  <p:nvSpPr>
+                    <p:cNvPr id="117" name="TextBox 116">
+                      <a:extLst>
+                        <a:ext uri="{FF2B5EF4-FFF2-40B4-BE49-F238E27FC236}">
+                          <a16:creationId xmlns:a16="http://schemas.microsoft.com/office/drawing/2014/main" id="{229F09BC-029E-4D60-BB5C-2F60BBB666EB}"/>
+                        </a:ext>
+                      </a:extLst>
+                    </p:cNvPr>
+                    <p:cNvSpPr txBox="1"/>
+                    <p:nvPr/>
+                  </p:nvSpPr>
+                  <p:spPr>
+                    <a:xfrm>
+                      <a:off x="612806" y="3314118"/>
+                      <a:ext cx="1919756" cy="646331"/>
+                    </a:xfrm>
+                    <a:prstGeom prst="rect">
+                      <a:avLst/>
+                    </a:prstGeom>
+                    <a:noFill/>
+                  </p:spPr>
+                  <p:txBody>
+                    <a:bodyPr wrap="square" rtlCol="0">
+                      <a:spAutoFit/>
+                    </a:bodyPr>
+                    <a:lstStyle/>
+                    <a:p>
+                      <a:pPr algn="ctr"/>
+                      <a:r>
+                        <a:rPr lang="en-US" dirty="0"/>
+                        <a:t>Reproductively-Ready Period</a:t>
+                      </a:r>
+                    </a:p>
+                  </p:txBody>
+                </p:sp>
+              </p:grpSp>
+              <p:grpSp>
+                <p:nvGrpSpPr>
+                  <p:cNvPr id="106" name="Group 105">
+                    <a:extLst>
+                      <a:ext uri="{FF2B5EF4-FFF2-40B4-BE49-F238E27FC236}">
+                        <a16:creationId xmlns:a16="http://schemas.microsoft.com/office/drawing/2014/main" id="{10F5D47E-0ACC-4922-A971-C68DDF4567CE}"/>
+                      </a:ext>
+                    </a:extLst>
+                  </p:cNvPr>
+                  <p:cNvGrpSpPr/>
+                  <p:nvPr/>
+                </p:nvGrpSpPr>
+                <p:grpSpPr>
+                  <a:xfrm>
+                    <a:off x="824846" y="4094042"/>
+                    <a:ext cx="1525936" cy="2615268"/>
+                    <a:chOff x="824846" y="3974375"/>
+                    <a:chExt cx="1525936" cy="2615268"/>
+                  </a:xfrm>
+                </p:grpSpPr>
+                <p:grpSp>
+                  <p:nvGrpSpPr>
+                    <p:cNvPr id="107" name="Group 106">
+                      <a:extLst>
+                        <a:ext uri="{FF2B5EF4-FFF2-40B4-BE49-F238E27FC236}">
+                          <a16:creationId xmlns:a16="http://schemas.microsoft.com/office/drawing/2014/main" id="{FEB5B4F2-596F-4986-9734-49390A7313C6}"/>
+                        </a:ext>
+                      </a:extLst>
+                    </p:cNvPr>
+                    <p:cNvGrpSpPr/>
+                    <p:nvPr/>
+                  </p:nvGrpSpPr>
+                  <p:grpSpPr>
+                    <a:xfrm>
+                      <a:off x="824846" y="6065049"/>
+                      <a:ext cx="1516861" cy="524594"/>
+                      <a:chOff x="418923" y="5856152"/>
+                      <a:chExt cx="1516861" cy="524594"/>
+                    </a:xfrm>
+                  </p:grpSpPr>
+                  <p:sp>
+                    <p:nvSpPr>
+                      <p:cNvPr id="114" name="Rectangle: Rounded Corners 113">
+                        <a:extLst>
+                          <a:ext uri="{FF2B5EF4-FFF2-40B4-BE49-F238E27FC236}">
+                            <a16:creationId xmlns:a16="http://schemas.microsoft.com/office/drawing/2014/main" id="{65ADC18D-CB41-44C6-BCBA-CBDF156F6C76}"/>
+                          </a:ext>
+                        </a:extLst>
+                      </p:cNvPr>
+                      <p:cNvSpPr/>
+                      <p:nvPr/>
+                    </p:nvSpPr>
+                    <p:spPr>
+                      <a:xfrm>
+                        <a:off x="418923" y="5856152"/>
+                        <a:ext cx="1516861" cy="524594"/>
+                      </a:xfrm>
+                      <a:prstGeom prst="roundRect">
+                        <a:avLst/>
+                      </a:prstGeom>
+                      <a:solidFill>
+                        <a:schemeClr val="accent6">
+                          <a:lumMod val="75000"/>
+                          <a:alpha val="75000"/>
+                        </a:schemeClr>
+                      </a:solidFill>
+                      <a:ln>
+                        <a:solidFill>
+                          <a:schemeClr val="tx1">
+                            <a:lumMod val="50000"/>
+                            <a:lumOff val="50000"/>
+                          </a:schemeClr>
+                        </a:solidFill>
+                      </a:ln>
+                    </p:spPr>
+                    <p:style>
+                      <a:lnRef idx="2">
+                        <a:schemeClr val="accent1">
+                          <a:shade val="50000"/>
+                        </a:schemeClr>
+                      </a:lnRef>
+                      <a:fillRef idx="1">
+                        <a:schemeClr val="accent1"/>
+                      </a:fillRef>
+                      <a:effectRef idx="0">
+                        <a:schemeClr val="accent1"/>
+                      </a:effectRef>
+                      <a:fontRef idx="minor">
+                        <a:schemeClr val="lt1"/>
+                      </a:fontRef>
+                    </p:style>
+                    <p:txBody>
+                      <a:bodyPr rtlCol="0" anchor="ctr"/>
+                      <a:lstStyle/>
+                      <a:p>
+                        <a:pPr algn="ctr"/>
+                        <a:endParaRPr lang="en-US"/>
+                      </a:p>
+                    </p:txBody>
+                  </p:sp>
+                  <p:sp>
+                    <p:nvSpPr>
+                      <p:cNvPr id="115" name="TextBox 114">
+                        <a:extLst>
+                          <a:ext uri="{FF2B5EF4-FFF2-40B4-BE49-F238E27FC236}">
+                            <a16:creationId xmlns:a16="http://schemas.microsoft.com/office/drawing/2014/main" id="{333AEABE-FC1B-4C21-8581-82B067BE5426}"/>
+                          </a:ext>
+                        </a:extLst>
+                      </p:cNvPr>
+                      <p:cNvSpPr txBox="1"/>
+                      <p:nvPr/>
+                    </p:nvSpPr>
+                    <p:spPr>
+                      <a:xfrm>
+                        <a:off x="418923" y="5942975"/>
+                        <a:ext cx="1516861" cy="369332"/>
+                      </a:xfrm>
+                      <a:prstGeom prst="rect">
+                        <a:avLst/>
+                      </a:prstGeom>
+                      <a:noFill/>
+                    </p:spPr>
+                    <p:txBody>
+                      <a:bodyPr wrap="square" rtlCol="0">
+                        <a:spAutoFit/>
+                      </a:bodyPr>
+                      <a:lstStyle/>
+                      <a:p>
+                        <a:pPr algn="ctr"/>
+                        <a:r>
+                          <a:rPr lang="en-US" dirty="0"/>
+                          <a:t>Sex Ratio</a:t>
+                        </a:r>
+                      </a:p>
+                    </p:txBody>
+                  </p:sp>
+                </p:grpSp>
+                <p:grpSp>
+                  <p:nvGrpSpPr>
+                    <p:cNvPr id="108" name="Group 107">
+                      <a:extLst>
+                        <a:ext uri="{FF2B5EF4-FFF2-40B4-BE49-F238E27FC236}">
+                          <a16:creationId xmlns:a16="http://schemas.microsoft.com/office/drawing/2014/main" id="{C7DBA364-C63B-4808-B4A2-7736000392EF}"/>
+                        </a:ext>
+                      </a:extLst>
+                    </p:cNvPr>
+                    <p:cNvGrpSpPr/>
+                    <p:nvPr/>
+                  </p:nvGrpSpPr>
+                  <p:grpSpPr>
+                    <a:xfrm>
+                      <a:off x="824849" y="5011953"/>
+                      <a:ext cx="1516861" cy="917917"/>
+                      <a:chOff x="418926" y="4634244"/>
+                      <a:chExt cx="1516861" cy="917917"/>
+                    </a:xfrm>
+                  </p:grpSpPr>
+                  <p:sp>
+                    <p:nvSpPr>
+                      <p:cNvPr id="112" name="Hexagon 111">
+                        <a:extLst>
+                          <a:ext uri="{FF2B5EF4-FFF2-40B4-BE49-F238E27FC236}">
+                            <a16:creationId xmlns:a16="http://schemas.microsoft.com/office/drawing/2014/main" id="{DED895CB-3E6A-4D7F-8705-272637F1DA3A}"/>
+                          </a:ext>
+                        </a:extLst>
+                      </p:cNvPr>
+                      <p:cNvSpPr/>
+                      <p:nvPr/>
+                    </p:nvSpPr>
+                    <p:spPr>
+                      <a:xfrm>
+                        <a:off x="418926" y="4634244"/>
+                        <a:ext cx="1516861" cy="917917"/>
+                      </a:xfrm>
+                      <a:prstGeom prst="hexagon">
+                        <a:avLst/>
+                      </a:prstGeom>
+                      <a:solidFill>
+                        <a:schemeClr val="accent6">
+                          <a:lumMod val="75000"/>
+                          <a:alpha val="75000"/>
+                        </a:schemeClr>
+                      </a:solidFill>
+                      <a:ln>
+                        <a:solidFill>
+                          <a:schemeClr val="tx1">
+                            <a:lumMod val="50000"/>
+                            <a:lumOff val="50000"/>
+                          </a:schemeClr>
+                        </a:solidFill>
+                      </a:ln>
+                    </p:spPr>
+                    <p:style>
+                      <a:lnRef idx="2">
+                        <a:schemeClr val="accent1">
+                          <a:shade val="50000"/>
+                        </a:schemeClr>
+                      </a:lnRef>
+                      <a:fillRef idx="1">
+                        <a:schemeClr val="accent1"/>
+                      </a:fillRef>
+                      <a:effectRef idx="0">
+                        <a:schemeClr val="accent1"/>
+                      </a:effectRef>
+                      <a:fontRef idx="minor">
+                        <a:schemeClr val="lt1"/>
+                      </a:fontRef>
+                    </p:style>
+                    <p:txBody>
+                      <a:bodyPr rtlCol="0" anchor="ctr"/>
+                      <a:lstStyle/>
+                      <a:p>
+                        <a:pPr algn="ctr"/>
+                        <a:endParaRPr lang="en-US"/>
+                      </a:p>
+                    </p:txBody>
+                  </p:sp>
+                  <p:sp>
+                    <p:nvSpPr>
+                      <p:cNvPr id="113" name="TextBox 112">
+                        <a:extLst>
+                          <a:ext uri="{FF2B5EF4-FFF2-40B4-BE49-F238E27FC236}">
+                            <a16:creationId xmlns:a16="http://schemas.microsoft.com/office/drawing/2014/main" id="{4C67196F-4FFC-41EE-B7EC-5E6B7E721987}"/>
+                          </a:ext>
+                        </a:extLst>
+                      </p:cNvPr>
+                      <p:cNvSpPr txBox="1"/>
+                      <p:nvPr/>
+                    </p:nvSpPr>
+                    <p:spPr>
+                      <a:xfrm>
+                        <a:off x="418926" y="4781350"/>
+                        <a:ext cx="1516861" cy="646331"/>
+                      </a:xfrm>
+                      <a:prstGeom prst="rect">
+                        <a:avLst/>
+                      </a:prstGeom>
+                      <a:noFill/>
+                    </p:spPr>
+                    <p:txBody>
+                      <a:bodyPr wrap="square" rtlCol="0">
+                        <a:spAutoFit/>
+                      </a:bodyPr>
+                      <a:lstStyle/>
+                      <a:p>
+                        <a:pPr algn="ctr"/>
+                        <a:r>
+                          <a:rPr lang="en-US" dirty="0"/>
+                          <a:t>Age-Specific</a:t>
+                        </a:r>
+                      </a:p>
+                      <a:p>
+                        <a:pPr algn="ctr"/>
+                        <a:r>
+                          <a:rPr lang="en-US" dirty="0"/>
+                          <a:t>Fecundity</a:t>
+                        </a:r>
+                      </a:p>
+                    </p:txBody>
+                  </p:sp>
+                </p:grpSp>
+                <p:grpSp>
+                  <p:nvGrpSpPr>
+                    <p:cNvPr id="109" name="Group 108">
+                      <a:extLst>
+                        <a:ext uri="{FF2B5EF4-FFF2-40B4-BE49-F238E27FC236}">
+                          <a16:creationId xmlns:a16="http://schemas.microsoft.com/office/drawing/2014/main" id="{585EE619-DAEF-4115-BBF2-A3BE8C6F252E}"/>
+                        </a:ext>
+                      </a:extLst>
+                    </p:cNvPr>
+                    <p:cNvGrpSpPr/>
+                    <p:nvPr/>
+                  </p:nvGrpSpPr>
+                  <p:grpSpPr>
+                    <a:xfrm>
+                      <a:off x="824847" y="3974375"/>
+                      <a:ext cx="1525935" cy="917917"/>
+                      <a:chOff x="418924" y="2471250"/>
+                      <a:chExt cx="1525935" cy="917917"/>
+                    </a:xfrm>
+                  </p:grpSpPr>
+                  <p:sp>
+                    <p:nvSpPr>
+                      <p:cNvPr id="110" name="Hexagon 109">
+                        <a:extLst>
+                          <a:ext uri="{FF2B5EF4-FFF2-40B4-BE49-F238E27FC236}">
+                            <a16:creationId xmlns:a16="http://schemas.microsoft.com/office/drawing/2014/main" id="{F54BD606-C000-41DF-B571-70DBF2F3C268}"/>
+                          </a:ext>
+                        </a:extLst>
+                      </p:cNvPr>
+                      <p:cNvSpPr/>
+                      <p:nvPr/>
+                    </p:nvSpPr>
+                    <p:spPr>
+                      <a:xfrm>
+                        <a:off x="418924" y="2471250"/>
+                        <a:ext cx="1516861" cy="917917"/>
+                      </a:xfrm>
+                      <a:prstGeom prst="hexagon">
+                        <a:avLst/>
+                      </a:prstGeom>
+                      <a:solidFill>
+                        <a:schemeClr val="accent6">
+                          <a:lumMod val="75000"/>
+                          <a:alpha val="75000"/>
+                        </a:schemeClr>
+                      </a:solidFill>
+                      <a:ln>
+                        <a:solidFill>
+                          <a:schemeClr val="tx1">
+                            <a:lumMod val="50000"/>
+                            <a:lumOff val="50000"/>
+                          </a:schemeClr>
+                        </a:solidFill>
+                      </a:ln>
+                    </p:spPr>
+                    <p:style>
+                      <a:lnRef idx="2">
+                        <a:schemeClr val="accent1">
+                          <a:shade val="50000"/>
+                        </a:schemeClr>
+                      </a:lnRef>
+                      <a:fillRef idx="1">
+                        <a:schemeClr val="accent1"/>
+                      </a:fillRef>
+                      <a:effectRef idx="0">
+                        <a:schemeClr val="accent1"/>
+                      </a:effectRef>
+                      <a:fontRef idx="minor">
+                        <a:schemeClr val="lt1"/>
+                      </a:fontRef>
+                    </p:style>
+                    <p:txBody>
+                      <a:bodyPr rtlCol="0" anchor="ctr"/>
+                      <a:lstStyle/>
+                      <a:p>
+                        <a:pPr algn="ctr"/>
+                        <a:endParaRPr lang="en-US"/>
+                      </a:p>
+                    </p:txBody>
+                  </p:sp>
+                  <p:sp>
+                    <p:nvSpPr>
+                      <p:cNvPr id="111" name="TextBox 110">
+                        <a:extLst>
+                          <a:ext uri="{FF2B5EF4-FFF2-40B4-BE49-F238E27FC236}">
+                            <a16:creationId xmlns:a16="http://schemas.microsoft.com/office/drawing/2014/main" id="{1EFA32C4-6420-48C8-9241-BCC4680F2558}"/>
+                          </a:ext>
+                        </a:extLst>
+                      </p:cNvPr>
+                      <p:cNvSpPr txBox="1"/>
+                      <p:nvPr/>
+                    </p:nvSpPr>
+                    <p:spPr>
+                      <a:xfrm>
+                        <a:off x="427998" y="2619248"/>
+                        <a:ext cx="1516861" cy="646331"/>
+                      </a:xfrm>
+                      <a:prstGeom prst="rect">
+                        <a:avLst/>
+                      </a:prstGeom>
+                      <a:noFill/>
+                    </p:spPr>
+                    <p:txBody>
+                      <a:bodyPr wrap="square" rtlCol="0">
+                        <a:spAutoFit/>
+                      </a:bodyPr>
+                      <a:lstStyle/>
+                      <a:p>
+                        <a:pPr algn="ctr"/>
+                        <a:r>
+                          <a:rPr lang="en-US" dirty="0"/>
+                          <a:t>Age-Specific</a:t>
+                        </a:r>
+                      </a:p>
+                      <a:p>
+                        <a:pPr algn="ctr"/>
+                        <a:r>
+                          <a:rPr lang="en-US" dirty="0"/>
+                          <a:t>Maturation</a:t>
+                        </a:r>
+                      </a:p>
+                    </p:txBody>
+                  </p:sp>
+                </p:grpSp>
+              </p:grpSp>
+            </p:grpSp>
+            <p:cxnSp>
+              <p:nvCxnSpPr>
+                <p:cNvPr id="74" name="Straight Arrow Connector 73">
+                  <a:extLst>
+                    <a:ext uri="{FF2B5EF4-FFF2-40B4-BE49-F238E27FC236}">
+                      <a16:creationId xmlns:a16="http://schemas.microsoft.com/office/drawing/2014/main" id="{E52B3F6A-2E61-48CD-82EB-C463B6193DFD}"/>
+                    </a:ext>
+                  </a:extLst>
+                </p:cNvPr>
+                <p:cNvCxnSpPr>
+                  <a:cxnSpLocks/>
+                  <a:stCxn id="110" idx="0"/>
+                  <a:endCxn id="103" idx="3"/>
+                </p:cNvCxnSpPr>
+                <p:nvPr/>
+              </p:nvCxnSpPr>
+              <p:spPr>
+                <a:xfrm>
+                  <a:off x="2341708" y="4526497"/>
+                  <a:ext cx="1809589" cy="929158"/>
+                </a:xfrm>
+                <a:prstGeom prst="straightConnector1">
+                  <a:avLst/>
+                </a:prstGeom>
+                <a:ln w="22225">
+                  <a:solidFill>
+                    <a:schemeClr val="tx1"/>
+                  </a:solidFill>
+                  <a:tailEnd type="triangle"/>
+                </a:ln>
+              </p:spPr>
+              <p:style>
+                <a:lnRef idx="1">
+                  <a:schemeClr val="accent1"/>
+                </a:lnRef>
+                <a:fillRef idx="0">
+                  <a:schemeClr val="accent1"/>
+                </a:fillRef>
+                <a:effectRef idx="0">
+                  <a:schemeClr val="accent1"/>
+                </a:effectRef>
+                <a:fontRef idx="minor">
+                  <a:schemeClr val="tx1"/>
+                </a:fontRef>
+              </p:style>
+            </p:cxnSp>
+            <p:cxnSp>
+              <p:nvCxnSpPr>
+                <p:cNvPr id="75" name="Straight Arrow Connector 74">
+                  <a:extLst>
+                    <a:ext uri="{FF2B5EF4-FFF2-40B4-BE49-F238E27FC236}">
+                      <a16:creationId xmlns:a16="http://schemas.microsoft.com/office/drawing/2014/main" id="{C6D1CDD2-C103-40B4-BED5-D174A67C5BE5}"/>
+                    </a:ext>
+                  </a:extLst>
+                </p:cNvPr>
+                <p:cNvCxnSpPr>
+                  <a:cxnSpLocks/>
+                  <a:stCxn id="112" idx="0"/>
+                  <a:endCxn id="103" idx="3"/>
+                </p:cNvCxnSpPr>
+                <p:nvPr/>
+              </p:nvCxnSpPr>
+              <p:spPr>
+                <a:xfrm flipV="1">
+                  <a:off x="2341710" y="5455655"/>
+                  <a:ext cx="1809587" cy="108420"/>
+                </a:xfrm>
+                <a:prstGeom prst="straightConnector1">
+                  <a:avLst/>
+                </a:prstGeom>
+                <a:ln w="22225">
+                  <a:solidFill>
+                    <a:schemeClr val="tx1"/>
+                  </a:solidFill>
+                  <a:tailEnd type="triangle"/>
+                </a:ln>
+              </p:spPr>
+              <p:style>
+                <a:lnRef idx="1">
+                  <a:schemeClr val="accent1"/>
+                </a:lnRef>
+                <a:fillRef idx="0">
+                  <a:schemeClr val="accent1"/>
+                </a:fillRef>
+                <a:effectRef idx="0">
+                  <a:schemeClr val="accent1"/>
+                </a:effectRef>
+                <a:fontRef idx="minor">
+                  <a:schemeClr val="tx1"/>
+                </a:fontRef>
+              </p:style>
+            </p:cxnSp>
+            <p:cxnSp>
+              <p:nvCxnSpPr>
+                <p:cNvPr id="76" name="Straight Arrow Connector 75">
+                  <a:extLst>
+                    <a:ext uri="{FF2B5EF4-FFF2-40B4-BE49-F238E27FC236}">
+                      <a16:creationId xmlns:a16="http://schemas.microsoft.com/office/drawing/2014/main" id="{F7E6794A-5CD9-4C92-97F9-F162FFF3F5A8}"/>
+                    </a:ext>
+                  </a:extLst>
+                </p:cNvPr>
+                <p:cNvCxnSpPr>
+                  <a:cxnSpLocks/>
+                  <a:stCxn id="114" idx="3"/>
+                  <a:endCxn id="103" idx="3"/>
+                </p:cNvCxnSpPr>
+                <p:nvPr/>
+              </p:nvCxnSpPr>
+              <p:spPr>
+                <a:xfrm flipV="1">
+                  <a:off x="2341707" y="5455655"/>
+                  <a:ext cx="1809590" cy="964854"/>
+                </a:xfrm>
+                <a:prstGeom prst="straightConnector1">
+                  <a:avLst/>
+                </a:prstGeom>
+                <a:ln w="22225">
+                  <a:solidFill>
+                    <a:schemeClr val="tx1"/>
+                  </a:solidFill>
+                  <a:tailEnd type="triangle"/>
+                </a:ln>
+              </p:spPr>
+              <p:style>
+                <a:lnRef idx="1">
+                  <a:schemeClr val="accent1"/>
+                </a:lnRef>
+                <a:fillRef idx="0">
+                  <a:schemeClr val="accent1"/>
+                </a:fillRef>
+                <a:effectRef idx="0">
+                  <a:schemeClr val="accent1"/>
+                </a:effectRef>
+                <a:fontRef idx="minor">
+                  <a:schemeClr val="tx1"/>
+                </a:fontRef>
+              </p:style>
+            </p:cxnSp>
+            <p:grpSp>
+              <p:nvGrpSpPr>
+                <p:cNvPr id="77" name="Group 76">
+                  <a:extLst>
+                    <a:ext uri="{FF2B5EF4-FFF2-40B4-BE49-F238E27FC236}">
+                      <a16:creationId xmlns:a16="http://schemas.microsoft.com/office/drawing/2014/main" id="{C4B46071-E2F2-4178-8A78-67F1A960DC81}"/>
+                    </a:ext>
+                  </a:extLst>
+                </p:cNvPr>
+                <p:cNvGrpSpPr/>
+                <p:nvPr/>
+              </p:nvGrpSpPr>
+              <p:grpSpPr>
+                <a:xfrm>
+                  <a:off x="4151297" y="4996696"/>
+                  <a:ext cx="1871003" cy="917917"/>
+                  <a:chOff x="3854807" y="3676102"/>
+                  <a:chExt cx="1871003" cy="917917"/>
+                </a:xfrm>
+              </p:grpSpPr>
+              <p:sp>
+                <p:nvSpPr>
+                  <p:cNvPr id="103" name="Hexagon 102">
+                    <a:extLst>
+                      <a:ext uri="{FF2B5EF4-FFF2-40B4-BE49-F238E27FC236}">
+                        <a16:creationId xmlns:a16="http://schemas.microsoft.com/office/drawing/2014/main" id="{E3AB5D44-8885-4663-8BE3-BB954125247F}"/>
+                      </a:ext>
+                    </a:extLst>
+                  </p:cNvPr>
+                  <p:cNvSpPr/>
+                  <p:nvPr/>
+                </p:nvSpPr>
+                <p:spPr>
+                  <a:xfrm>
+                    <a:off x="3854807" y="3676102"/>
+                    <a:ext cx="1871003" cy="917917"/>
+                  </a:xfrm>
+                  <a:prstGeom prst="hexagon">
+                    <a:avLst/>
+                  </a:prstGeom>
+                  <a:solidFill>
+                    <a:schemeClr val="accent6">
+                      <a:lumMod val="75000"/>
+                      <a:alpha val="75000"/>
+                    </a:schemeClr>
+                  </a:solidFill>
+                  <a:ln>
+                    <a:solidFill>
+                      <a:schemeClr val="tx1">
+                        <a:lumMod val="50000"/>
+                        <a:lumOff val="50000"/>
+                      </a:schemeClr>
+                    </a:solidFill>
+                  </a:ln>
+                </p:spPr>
+                <p:style>
+                  <a:lnRef idx="2">
+                    <a:schemeClr val="accent1">
+                      <a:shade val="50000"/>
+                    </a:schemeClr>
+                  </a:lnRef>
+                  <a:fillRef idx="1">
+                    <a:schemeClr val="accent1"/>
+                  </a:fillRef>
+                  <a:effectRef idx="0">
+                    <a:schemeClr val="accent1"/>
+                  </a:effectRef>
+                  <a:fontRef idx="minor">
+                    <a:schemeClr val="lt1"/>
+                  </a:fontRef>
+                </p:style>
+                <p:txBody>
+                  <a:bodyPr rtlCol="0" anchor="ctr"/>
+                  <a:lstStyle/>
+                  <a:p>
+                    <a:pPr algn="ctr"/>
+                    <a:endParaRPr lang="en-US"/>
+                  </a:p>
+                </p:txBody>
+              </p:sp>
+              <p:sp>
+                <p:nvSpPr>
+                  <p:cNvPr id="104" name="TextBox 103">
+                    <a:extLst>
+                      <a:ext uri="{FF2B5EF4-FFF2-40B4-BE49-F238E27FC236}">
+                        <a16:creationId xmlns:a16="http://schemas.microsoft.com/office/drawing/2014/main" id="{488AA045-D0FE-4836-A628-02D72C3E2B1B}"/>
+                      </a:ext>
+                    </a:extLst>
+                  </p:cNvPr>
+                  <p:cNvSpPr txBox="1"/>
+                  <p:nvPr/>
+                </p:nvSpPr>
+                <p:spPr>
+                  <a:xfrm>
+                    <a:off x="3854807" y="3823208"/>
+                    <a:ext cx="1871003" cy="646331"/>
+                  </a:xfrm>
+                  <a:prstGeom prst="rect">
+                    <a:avLst/>
+                  </a:prstGeom>
+                  <a:noFill/>
+                </p:spPr>
+                <p:txBody>
+                  <a:bodyPr wrap="square" rtlCol="0">
+                    <a:spAutoFit/>
+                  </a:bodyPr>
+                  <a:lstStyle/>
+                  <a:p>
+                    <a:pPr algn="ctr"/>
+                    <a:r>
+                      <a:rPr lang="en-US" dirty="0"/>
+                      <a:t>Age-Specific</a:t>
+                    </a:r>
+                  </a:p>
+                  <a:p>
+                    <a:pPr algn="ctr"/>
+                    <a:r>
+                      <a:rPr lang="en-US" dirty="0"/>
+                      <a:t>Reproduction</a:t>
+                    </a:r>
+                  </a:p>
+                </p:txBody>
+              </p:sp>
+            </p:grpSp>
+            <p:grpSp>
+              <p:nvGrpSpPr>
+                <p:cNvPr id="78" name="Group 77">
+                  <a:extLst>
+                    <a:ext uri="{FF2B5EF4-FFF2-40B4-BE49-F238E27FC236}">
+                      <a16:creationId xmlns:a16="http://schemas.microsoft.com/office/drawing/2014/main" id="{3196F8E2-C11E-4BD6-B1E2-D8B3CEF381ED}"/>
+                    </a:ext>
+                  </a:extLst>
+                </p:cNvPr>
+                <p:cNvGrpSpPr/>
+                <p:nvPr/>
+              </p:nvGrpSpPr>
+              <p:grpSpPr>
+                <a:xfrm>
+                  <a:off x="7454909" y="4822872"/>
+                  <a:ext cx="1516861" cy="917917"/>
+                  <a:chOff x="7176617" y="4372704"/>
+                  <a:chExt cx="1516861" cy="917917"/>
+                </a:xfrm>
+              </p:grpSpPr>
+              <p:sp>
+                <p:nvSpPr>
+                  <p:cNvPr id="101" name="Hexagon 100">
+                    <a:extLst>
+                      <a:ext uri="{FF2B5EF4-FFF2-40B4-BE49-F238E27FC236}">
+                        <a16:creationId xmlns:a16="http://schemas.microsoft.com/office/drawing/2014/main" id="{1C286A64-F12B-492B-9FDF-066DF8A6D157}"/>
+                      </a:ext>
+                    </a:extLst>
+                  </p:cNvPr>
+                  <p:cNvSpPr/>
+                  <p:nvPr/>
+                </p:nvSpPr>
+                <p:spPr>
+                  <a:xfrm>
+                    <a:off x="7176617" y="4372704"/>
+                    <a:ext cx="1516861" cy="917917"/>
+                  </a:xfrm>
+                  <a:prstGeom prst="hexagon">
+                    <a:avLst/>
+                  </a:prstGeom>
+                  <a:solidFill>
+                    <a:schemeClr val="accent6">
+                      <a:lumMod val="75000"/>
+                      <a:alpha val="75000"/>
+                    </a:schemeClr>
+                  </a:solidFill>
+                  <a:ln>
+                    <a:solidFill>
+                      <a:schemeClr val="tx1">
+                        <a:lumMod val="50000"/>
+                        <a:lumOff val="50000"/>
+                      </a:schemeClr>
+                    </a:solidFill>
+                  </a:ln>
+                </p:spPr>
+                <p:style>
+                  <a:lnRef idx="2">
+                    <a:schemeClr val="accent1">
+                      <a:shade val="50000"/>
+                    </a:schemeClr>
+                  </a:lnRef>
+                  <a:fillRef idx="1">
+                    <a:schemeClr val="accent1"/>
+                  </a:fillRef>
+                  <a:effectRef idx="0">
+                    <a:schemeClr val="accent1"/>
+                  </a:effectRef>
+                  <a:fontRef idx="minor">
+                    <a:schemeClr val="lt1"/>
+                  </a:fontRef>
+                </p:style>
+                <p:txBody>
+                  <a:bodyPr rtlCol="0" anchor="ctr"/>
+                  <a:lstStyle/>
+                  <a:p>
+                    <a:pPr algn="ctr"/>
+                    <a:endParaRPr lang="en-US"/>
+                  </a:p>
+                </p:txBody>
+              </p:sp>
+              <p:sp>
+                <p:nvSpPr>
+                  <p:cNvPr id="102" name="TextBox 101">
+                    <a:extLst>
+                      <a:ext uri="{FF2B5EF4-FFF2-40B4-BE49-F238E27FC236}">
+                        <a16:creationId xmlns:a16="http://schemas.microsoft.com/office/drawing/2014/main" id="{E85F336F-9917-4E1D-BD13-7D06A9E395D3}"/>
+                      </a:ext>
+                    </a:extLst>
+                  </p:cNvPr>
+                  <p:cNvSpPr txBox="1"/>
+                  <p:nvPr/>
+                </p:nvSpPr>
+                <p:spPr>
+                  <a:xfrm>
+                    <a:off x="7176617" y="4533878"/>
                     <a:ext cx="1516861" cy="646331"/>
                   </a:xfrm>
                   <a:prstGeom prst="rect">
@@ -4056,85 +5032,25 @@
                     <a:pPr algn="ctr"/>
                     <a:r>
                       <a:rPr lang="en-US" dirty="0"/>
-                      <a:t>Retention Probability</a:t>
+                      <a:t>Age-Specific</a:t>
+                    </a:r>
+                  </a:p>
+                  <a:p>
+                    <a:pPr algn="ctr"/>
+                    <a:r>
+                      <a:rPr lang="en-US" dirty="0"/>
+                      <a:t>Survival</a:t>
                     </a:r>
                   </a:p>
                 </p:txBody>
               </p:sp>
             </p:grpSp>
-          </p:grpSp>
-          <p:cxnSp>
-            <p:nvCxnSpPr>
-              <p:cNvPr id="72" name="Straight Arrow Connector 71">
-                <a:extLst>
-                  <a:ext uri="{FF2B5EF4-FFF2-40B4-BE49-F238E27FC236}">
-                    <a16:creationId xmlns:a16="http://schemas.microsoft.com/office/drawing/2014/main" id="{501DA091-45B7-44EF-A5FA-3DD5EA10507A}"/>
-                  </a:ext>
-                </a:extLst>
-              </p:cNvPr>
-              <p:cNvCxnSpPr>
-                <a:cxnSpLocks/>
-                <a:stCxn id="123" idx="3"/>
-                <a:endCxn id="120" idx="3"/>
-              </p:cNvCxnSpPr>
-              <p:nvPr/>
-            </p:nvCxnSpPr>
-            <p:spPr>
-              <a:xfrm>
-                <a:off x="2223073" y="822752"/>
-                <a:ext cx="2092878" cy="1513096"/>
-              </a:xfrm>
-              <a:prstGeom prst="straightConnector1">
-                <a:avLst/>
-              </a:prstGeom>
-              <a:ln w="22225">
-                <a:solidFill>
-                  <a:schemeClr val="tx1"/>
-                </a:solidFill>
-                <a:tailEnd type="triangle"/>
-              </a:ln>
-            </p:spPr>
-            <p:style>
-              <a:lnRef idx="1">
-                <a:schemeClr val="accent1"/>
-              </a:lnRef>
-              <a:fillRef idx="0">
-                <a:schemeClr val="accent1"/>
-              </a:fillRef>
-              <a:effectRef idx="0">
-                <a:schemeClr val="accent1"/>
-              </a:effectRef>
-              <a:fontRef idx="minor">
-                <a:schemeClr val="tx1"/>
-              </a:fontRef>
-            </p:style>
-          </p:cxnSp>
-          <p:grpSp>
-            <p:nvGrpSpPr>
-              <p:cNvPr id="73" name="Group 72">
-                <a:extLst>
-                  <a:ext uri="{FF2B5EF4-FFF2-40B4-BE49-F238E27FC236}">
-                    <a16:creationId xmlns:a16="http://schemas.microsoft.com/office/drawing/2014/main" id="{E67E4084-64AE-4259-9E6F-3F04811686E3}"/>
-                  </a:ext>
-                </a:extLst>
-              </p:cNvPr>
-              <p:cNvGrpSpPr/>
-              <p:nvPr/>
-            </p:nvGrpSpPr>
-            <p:grpSpPr>
-              <a:xfrm>
-                <a:off x="612806" y="3287614"/>
-                <a:ext cx="1919756" cy="3395192"/>
-                <a:chOff x="612806" y="3314118"/>
-                <a:chExt cx="1919756" cy="3395192"/>
-              </a:xfrm>
-            </p:grpSpPr>
             <p:grpSp>
               <p:nvGrpSpPr>
-                <p:cNvPr id="105" name="Group 104">
+                <p:cNvPr id="79" name="Group 78">
                   <a:extLst>
                     <a:ext uri="{FF2B5EF4-FFF2-40B4-BE49-F238E27FC236}">
-                      <a16:creationId xmlns:a16="http://schemas.microsoft.com/office/drawing/2014/main" id="{2E1B60AA-31B3-4C83-816F-2FC3369435D6}"/>
+                      <a16:creationId xmlns:a16="http://schemas.microsoft.com/office/drawing/2014/main" id="{3FCC055D-D557-4FC0-8E56-5FC0F749DD92}"/>
                     </a:ext>
                   </a:extLst>
                 </p:cNvPr>
@@ -4143,18 +5059,18 @@
               </p:nvGrpSpPr>
               <p:grpSpPr>
                 <a:xfrm>
-                  <a:off x="612806" y="3314118"/>
-                  <a:ext cx="1919756" cy="651866"/>
-                  <a:chOff x="612806" y="3314118"/>
-                  <a:chExt cx="1919756" cy="651866"/>
+                  <a:off x="7454909" y="5852301"/>
+                  <a:ext cx="1516861" cy="732196"/>
+                  <a:chOff x="7176617" y="5753825"/>
+                  <a:chExt cx="1516861" cy="732196"/>
                 </a:xfrm>
               </p:grpSpPr>
               <p:sp>
                 <p:nvSpPr>
-                  <p:cNvPr id="116" name="Rectangle: Rounded Corners 115">
+                  <p:cNvPr id="99" name="Rectangle: Rounded Corners 98">
                     <a:extLst>
                       <a:ext uri="{FF2B5EF4-FFF2-40B4-BE49-F238E27FC236}">
-                        <a16:creationId xmlns:a16="http://schemas.microsoft.com/office/drawing/2014/main" id="{83646A35-FC38-4659-AE21-49CA0775AC0C}"/>
+                        <a16:creationId xmlns:a16="http://schemas.microsoft.com/office/drawing/2014/main" id="{3C4C43AE-DECB-4D41-8814-41B3ABC038BD}"/>
                       </a:ext>
                     </a:extLst>
                   </p:cNvPr>
@@ -4163,8 +5079,8 @@
                 </p:nvSpPr>
                 <p:spPr>
                   <a:xfrm>
-                    <a:off x="612806" y="3319653"/>
-                    <a:ext cx="1919756" cy="646331"/>
+                    <a:off x="7176617" y="5753825"/>
+                    <a:ext cx="1516861" cy="732196"/>
                   </a:xfrm>
                   <a:prstGeom prst="roundRect">
                     <a:avLst/>
@@ -4211,10 +5127,10 @@
               </p:sp>
               <p:sp>
                 <p:nvSpPr>
-                  <p:cNvPr id="117" name="TextBox 116">
+                  <p:cNvPr id="100" name="TextBox 99">
                     <a:extLst>
                       <a:ext uri="{FF2B5EF4-FFF2-40B4-BE49-F238E27FC236}">
-                        <a16:creationId xmlns:a16="http://schemas.microsoft.com/office/drawing/2014/main" id="{229F09BC-029E-4D60-BB5C-2F60BBB666EB}"/>
+                        <a16:creationId xmlns:a16="http://schemas.microsoft.com/office/drawing/2014/main" id="{195F5888-2D01-4EEC-80B6-BBE38ECE284F}"/>
                       </a:ext>
                     </a:extLst>
                   </p:cNvPr>
@@ -4223,8 +5139,8 @@
                 </p:nvSpPr>
                 <p:spPr>
                   <a:xfrm>
-                    <a:off x="612806" y="3314118"/>
-                    <a:ext cx="1919756" cy="646331"/>
+                    <a:off x="7176617" y="5816240"/>
+                    <a:ext cx="1516861" cy="646331"/>
                   </a:xfrm>
                   <a:prstGeom prst="rect">
                     <a:avLst/>
@@ -4240,7 +5156,7 @@
                     <a:pPr algn="ctr"/>
                     <a:r>
                       <a:rPr lang="en-US" dirty="0"/>
-                      <a:t>Reproductively-Ready Period</a:t>
+                      <a:t>Maximum Age</a:t>
                     </a:r>
                   </a:p>
                 </p:txBody>
@@ -4248,10 +5164,10 @@
             </p:grpSp>
             <p:grpSp>
               <p:nvGrpSpPr>
-                <p:cNvPr id="106" name="Group 105">
+                <p:cNvPr id="80" name="Group 79">
                   <a:extLst>
                     <a:ext uri="{FF2B5EF4-FFF2-40B4-BE49-F238E27FC236}">
-                      <a16:creationId xmlns:a16="http://schemas.microsoft.com/office/drawing/2014/main" id="{10F5D47E-0ACC-4922-A971-C68DDF4567CE}"/>
+                      <a16:creationId xmlns:a16="http://schemas.microsoft.com/office/drawing/2014/main" id="{5C3D8AAC-06AB-4CEF-928C-F6C2E1D3818C}"/>
                     </a:ext>
                   </a:extLst>
                 </p:cNvPr>
@@ -4260,18 +5176,386 @@
               </p:nvGrpSpPr>
               <p:grpSpPr>
                 <a:xfrm>
-                  <a:off x="824846" y="4094042"/>
-                  <a:ext cx="1525936" cy="2615268"/>
-                  <a:chOff x="824846" y="3974375"/>
-                  <a:chExt cx="1525936" cy="2615268"/>
+                  <a:off x="7454909" y="3776332"/>
+                  <a:ext cx="1516861" cy="917917"/>
+                  <a:chOff x="7176617" y="3115149"/>
+                  <a:chExt cx="1516861" cy="917917"/>
                 </a:xfrm>
               </p:grpSpPr>
+              <p:sp>
+                <p:nvSpPr>
+                  <p:cNvPr id="97" name="Hexagon 96">
+                    <a:extLst>
+                      <a:ext uri="{FF2B5EF4-FFF2-40B4-BE49-F238E27FC236}">
+                        <a16:creationId xmlns:a16="http://schemas.microsoft.com/office/drawing/2014/main" id="{3F24B032-5E2E-4133-918A-2E22B0457C7E}"/>
+                      </a:ext>
+                    </a:extLst>
+                  </p:cNvPr>
+                  <p:cNvSpPr/>
+                  <p:nvPr/>
+                </p:nvSpPr>
+                <p:spPr>
+                  <a:xfrm>
+                    <a:off x="7176617" y="3115149"/>
+                    <a:ext cx="1516861" cy="917917"/>
+                  </a:xfrm>
+                  <a:prstGeom prst="hexagon">
+                    <a:avLst/>
+                  </a:prstGeom>
+                  <a:solidFill>
+                    <a:schemeClr val="accent6">
+                      <a:lumMod val="75000"/>
+                      <a:alpha val="75000"/>
+                    </a:schemeClr>
+                  </a:solidFill>
+                  <a:ln>
+                    <a:solidFill>
+                      <a:schemeClr val="tx1">
+                        <a:lumMod val="50000"/>
+                        <a:lumOff val="50000"/>
+                      </a:schemeClr>
+                    </a:solidFill>
+                  </a:ln>
+                </p:spPr>
+                <p:style>
+                  <a:lnRef idx="2">
+                    <a:schemeClr val="accent1">
+                      <a:shade val="50000"/>
+                    </a:schemeClr>
+                  </a:lnRef>
+                  <a:fillRef idx="1">
+                    <a:schemeClr val="accent1"/>
+                  </a:fillRef>
+                  <a:effectRef idx="0">
+                    <a:schemeClr val="accent1"/>
+                  </a:effectRef>
+                  <a:fontRef idx="minor">
+                    <a:schemeClr val="lt1"/>
+                  </a:fontRef>
+                </p:style>
+                <p:txBody>
+                  <a:bodyPr rtlCol="0" anchor="ctr"/>
+                  <a:lstStyle/>
+                  <a:p>
+                    <a:pPr algn="ctr"/>
+                    <a:endParaRPr lang="en-US"/>
+                  </a:p>
+                </p:txBody>
+              </p:sp>
+              <p:sp>
+                <p:nvSpPr>
+                  <p:cNvPr id="98" name="TextBox 97">
+                    <a:extLst>
+                      <a:ext uri="{FF2B5EF4-FFF2-40B4-BE49-F238E27FC236}">
+                        <a16:creationId xmlns:a16="http://schemas.microsoft.com/office/drawing/2014/main" id="{2A3AD1A9-94DD-4502-A1F9-293824058F99}"/>
+                      </a:ext>
+                    </a:extLst>
+                  </p:cNvPr>
+                  <p:cNvSpPr txBox="1"/>
+                  <p:nvPr/>
+                </p:nvSpPr>
+                <p:spPr>
+                  <a:xfrm>
+                    <a:off x="7176617" y="3276323"/>
+                    <a:ext cx="1516861" cy="646331"/>
+                  </a:xfrm>
+                  <a:prstGeom prst="rect">
+                    <a:avLst/>
+                  </a:prstGeom>
+                  <a:noFill/>
+                </p:spPr>
+                <p:txBody>
+                  <a:bodyPr wrap="square" rtlCol="0">
+                    <a:spAutoFit/>
+                  </a:bodyPr>
+                  <a:lstStyle/>
+                  <a:p>
+                    <a:pPr algn="ctr"/>
+                    <a:r>
+                      <a:rPr lang="en-US" dirty="0"/>
+                      <a:t>Age-Specific</a:t>
+                    </a:r>
+                  </a:p>
+                  <a:p>
+                    <a:pPr algn="ctr"/>
+                    <a:r>
+                      <a:rPr lang="en-US" dirty="0"/>
+                      <a:t>Fertility</a:t>
+                    </a:r>
+                  </a:p>
+                </p:txBody>
+              </p:sp>
+            </p:grpSp>
+            <p:cxnSp>
+              <p:nvCxnSpPr>
+                <p:cNvPr id="81" name="Straight Arrow Connector 80">
+                  <a:extLst>
+                    <a:ext uri="{FF2B5EF4-FFF2-40B4-BE49-F238E27FC236}">
+                      <a16:creationId xmlns:a16="http://schemas.microsoft.com/office/drawing/2014/main" id="{8D978A03-BF20-41A6-B3D5-14700B985809}"/>
+                    </a:ext>
+                  </a:extLst>
+                </p:cNvPr>
+                <p:cNvCxnSpPr>
+                  <a:cxnSpLocks/>
+                  <a:stCxn id="103" idx="0"/>
+                  <a:endCxn id="97" idx="3"/>
+                </p:cNvCxnSpPr>
+                <p:nvPr/>
+              </p:nvCxnSpPr>
+              <p:spPr>
+                <a:xfrm flipV="1">
+                  <a:off x="6022300" y="4235291"/>
+                  <a:ext cx="1432609" cy="1220364"/>
+                </a:xfrm>
+                <a:prstGeom prst="straightConnector1">
+                  <a:avLst/>
+                </a:prstGeom>
+                <a:ln w="22225">
+                  <a:solidFill>
+                    <a:schemeClr val="tx1"/>
+                  </a:solidFill>
+                  <a:tailEnd type="triangle"/>
+                </a:ln>
+              </p:spPr>
+              <p:style>
+                <a:lnRef idx="1">
+                  <a:schemeClr val="accent1"/>
+                </a:lnRef>
+                <a:fillRef idx="0">
+                  <a:schemeClr val="accent1"/>
+                </a:fillRef>
+                <a:effectRef idx="0">
+                  <a:schemeClr val="accent1"/>
+                </a:effectRef>
+                <a:fontRef idx="minor">
+                  <a:schemeClr val="tx1"/>
+                </a:fontRef>
+              </p:style>
+            </p:cxnSp>
+            <p:cxnSp>
+              <p:nvCxnSpPr>
+                <p:cNvPr id="82" name="Straight Arrow Connector 81">
+                  <a:extLst>
+                    <a:ext uri="{FF2B5EF4-FFF2-40B4-BE49-F238E27FC236}">
+                      <a16:creationId xmlns:a16="http://schemas.microsoft.com/office/drawing/2014/main" id="{27D69198-8974-4BFE-9F90-719B5B1F2EB3}"/>
+                    </a:ext>
+                  </a:extLst>
+                </p:cNvPr>
+                <p:cNvCxnSpPr>
+                  <a:cxnSpLocks/>
+                  <a:stCxn id="97" idx="0"/>
+                  <a:endCxn id="126" idx="3"/>
+                </p:cNvCxnSpPr>
+                <p:nvPr/>
+              </p:nvCxnSpPr>
+              <p:spPr>
+                <a:xfrm>
+                  <a:off x="8971770" y="4235291"/>
+                  <a:ext cx="999985" cy="1038479"/>
+                </a:xfrm>
+                <a:prstGeom prst="straightConnector1">
+                  <a:avLst/>
+                </a:prstGeom>
+                <a:ln w="22225">
+                  <a:solidFill>
+                    <a:schemeClr val="tx1"/>
+                  </a:solidFill>
+                  <a:tailEnd type="triangle"/>
+                </a:ln>
+              </p:spPr>
+              <p:style>
+                <a:lnRef idx="1">
+                  <a:schemeClr val="accent1"/>
+                </a:lnRef>
+                <a:fillRef idx="0">
+                  <a:schemeClr val="accent1"/>
+                </a:fillRef>
+                <a:effectRef idx="0">
+                  <a:schemeClr val="accent1"/>
+                </a:effectRef>
+                <a:fontRef idx="minor">
+                  <a:schemeClr val="tx1"/>
+                </a:fontRef>
+              </p:style>
+            </p:cxnSp>
+            <p:cxnSp>
+              <p:nvCxnSpPr>
+                <p:cNvPr id="83" name="Straight Arrow Connector 82">
+                  <a:extLst>
+                    <a:ext uri="{FF2B5EF4-FFF2-40B4-BE49-F238E27FC236}">
+                      <a16:creationId xmlns:a16="http://schemas.microsoft.com/office/drawing/2014/main" id="{939837D2-A609-4FDA-957E-0620EA2D8BAB}"/>
+                    </a:ext>
+                  </a:extLst>
+                </p:cNvPr>
+                <p:cNvCxnSpPr>
+                  <a:cxnSpLocks/>
+                  <a:stCxn id="101" idx="0"/>
+                  <a:endCxn id="126" idx="3"/>
+                </p:cNvCxnSpPr>
+                <p:nvPr/>
+              </p:nvCxnSpPr>
+              <p:spPr>
+                <a:xfrm flipV="1">
+                  <a:off x="8971770" y="5273770"/>
+                  <a:ext cx="999985" cy="8061"/>
+                </a:xfrm>
+                <a:prstGeom prst="straightConnector1">
+                  <a:avLst/>
+                </a:prstGeom>
+                <a:ln w="22225">
+                  <a:solidFill>
+                    <a:schemeClr val="tx1"/>
+                  </a:solidFill>
+                  <a:tailEnd type="triangle"/>
+                </a:ln>
+              </p:spPr>
+              <p:style>
+                <a:lnRef idx="1">
+                  <a:schemeClr val="accent1"/>
+                </a:lnRef>
+                <a:fillRef idx="0">
+                  <a:schemeClr val="accent1"/>
+                </a:fillRef>
+                <a:effectRef idx="0">
+                  <a:schemeClr val="accent1"/>
+                </a:effectRef>
+                <a:fontRef idx="minor">
+                  <a:schemeClr val="tx1"/>
+                </a:fontRef>
+              </p:style>
+            </p:cxnSp>
+            <p:cxnSp>
+              <p:nvCxnSpPr>
+                <p:cNvPr id="84" name="Straight Arrow Connector 83">
+                  <a:extLst>
+                    <a:ext uri="{FF2B5EF4-FFF2-40B4-BE49-F238E27FC236}">
+                      <a16:creationId xmlns:a16="http://schemas.microsoft.com/office/drawing/2014/main" id="{18552C49-1621-41C5-A16D-035ED2DD27A7}"/>
+                    </a:ext>
+                  </a:extLst>
+                </p:cNvPr>
+                <p:cNvCxnSpPr>
+                  <a:cxnSpLocks/>
+                  <a:stCxn id="99" idx="3"/>
+                  <a:endCxn id="126" idx="3"/>
+                </p:cNvCxnSpPr>
+                <p:nvPr/>
+              </p:nvCxnSpPr>
+              <p:spPr>
+                <a:xfrm flipV="1">
+                  <a:off x="8971770" y="5273770"/>
+                  <a:ext cx="999985" cy="944629"/>
+                </a:xfrm>
+                <a:prstGeom prst="straightConnector1">
+                  <a:avLst/>
+                </a:prstGeom>
+                <a:ln w="22225">
+                  <a:solidFill>
+                    <a:schemeClr val="tx1"/>
+                  </a:solidFill>
+                  <a:tailEnd type="triangle"/>
+                </a:ln>
+              </p:spPr>
+              <p:style>
+                <a:lnRef idx="1">
+                  <a:schemeClr val="accent1"/>
+                </a:lnRef>
+                <a:fillRef idx="0">
+                  <a:schemeClr val="accent1"/>
+                </a:fillRef>
+                <a:effectRef idx="0">
+                  <a:schemeClr val="accent1"/>
+                </a:effectRef>
+                <a:fontRef idx="minor">
+                  <a:schemeClr val="tx1"/>
+                </a:fontRef>
+              </p:style>
+            </p:cxnSp>
+            <p:grpSp>
+              <p:nvGrpSpPr>
+                <p:cNvPr id="86" name="Group 85">
+                  <a:extLst>
+                    <a:ext uri="{FF2B5EF4-FFF2-40B4-BE49-F238E27FC236}">
+                      <a16:creationId xmlns:a16="http://schemas.microsoft.com/office/drawing/2014/main" id="{2CC08C41-40FB-4185-B4A1-7BE9AD5BDA47}"/>
+                    </a:ext>
+                  </a:extLst>
+                </p:cNvPr>
+                <p:cNvGrpSpPr/>
+                <p:nvPr/>
+              </p:nvGrpSpPr>
+              <p:grpSpPr>
+                <a:xfrm>
+                  <a:off x="514170" y="1475167"/>
+                  <a:ext cx="2023706" cy="1477328"/>
+                  <a:chOff x="514170" y="1607687"/>
+                  <a:chExt cx="2023706" cy="1477328"/>
+                </a:xfrm>
+              </p:grpSpPr>
+              <p:sp>
+                <p:nvSpPr>
+                  <p:cNvPr id="91" name="TextBox 90">
+                    <a:extLst>
+                      <a:ext uri="{FF2B5EF4-FFF2-40B4-BE49-F238E27FC236}">
+                        <a16:creationId xmlns:a16="http://schemas.microsoft.com/office/drawing/2014/main" id="{2BFC36C0-80C7-4104-B482-3363BCE9458C}"/>
+                      </a:ext>
+                    </a:extLst>
+                  </p:cNvPr>
+                  <p:cNvSpPr txBox="1"/>
+                  <p:nvPr/>
+                </p:nvSpPr>
+                <p:spPr>
+                  <a:xfrm>
+                    <a:off x="514170" y="1607687"/>
+                    <a:ext cx="2023706" cy="1477328"/>
+                  </a:xfrm>
+                  <a:prstGeom prst="rect">
+                    <a:avLst/>
+                  </a:prstGeom>
+                  <a:noFill/>
+                  <a:ln w="19050">
+                    <a:solidFill>
+                      <a:schemeClr val="tx1">
+                        <a:lumMod val="50000"/>
+                        <a:lumOff val="50000"/>
+                      </a:schemeClr>
+                    </a:solidFill>
+                  </a:ln>
+                </p:spPr>
+                <p:txBody>
+                  <a:bodyPr wrap="square" rtlCol="0">
+                    <a:spAutoFit/>
+                  </a:bodyPr>
+                  <a:lstStyle/>
+                  <a:p>
+                    <a:pPr algn="ctr"/>
+                    <a:endParaRPr lang="en-US" dirty="0"/>
+                  </a:p>
+                  <a:p>
+                    <a:pPr algn="ctr"/>
+                    <a:endParaRPr lang="en-US" dirty="0"/>
+                  </a:p>
+                  <a:p>
+                    <a:pPr algn="ctr"/>
+                    <a:endParaRPr lang="en-US" dirty="0"/>
+                  </a:p>
+                  <a:p>
+                    <a:pPr algn="ctr"/>
+                    <a:endParaRPr lang="en-US" dirty="0"/>
+                  </a:p>
+                  <a:p>
+                    <a:pPr algn="ctr"/>
+                    <a:r>
+                      <a:rPr lang="en-US" dirty="0"/>
+                      <a:t>Spawning Model</a:t>
+                    </a:r>
+                  </a:p>
+                </p:txBody>
+              </p:sp>
               <p:grpSp>
                 <p:nvGrpSpPr>
-                  <p:cNvPr id="107" name="Group 106">
+                  <p:cNvPr id="92" name="Group 91">
                     <a:extLst>
                       <a:ext uri="{FF2B5EF4-FFF2-40B4-BE49-F238E27FC236}">
-                        <a16:creationId xmlns:a16="http://schemas.microsoft.com/office/drawing/2014/main" id="{FEB5B4F2-596F-4986-9734-49390A7313C6}"/>
+                        <a16:creationId xmlns:a16="http://schemas.microsoft.com/office/drawing/2014/main" id="{F36F6DA2-7646-404C-A00C-71A2ADCD4DD0}"/>
                       </a:ext>
                     </a:extLst>
                   </p:cNvPr>
@@ -4280,18 +5564,18 @@
                 </p:nvGrpSpPr>
                 <p:grpSpPr>
                   <a:xfrm>
-                    <a:off x="824846" y="6065049"/>
-                    <a:ext cx="1516861" cy="524594"/>
-                    <a:chOff x="418923" y="5856152"/>
-                    <a:chExt cx="1516861" cy="524594"/>
+                    <a:off x="767591" y="1796302"/>
+                    <a:ext cx="1516862" cy="917917"/>
+                    <a:chOff x="767591" y="2007319"/>
+                    <a:chExt cx="1516862" cy="917917"/>
                   </a:xfrm>
                 </p:grpSpPr>
                 <p:sp>
                   <p:nvSpPr>
-                    <p:cNvPr id="114" name="Rectangle: Rounded Corners 113">
+                    <p:cNvPr id="93" name="Hexagon 92">
                       <a:extLst>
                         <a:ext uri="{FF2B5EF4-FFF2-40B4-BE49-F238E27FC236}">
-                          <a16:creationId xmlns:a16="http://schemas.microsoft.com/office/drawing/2014/main" id="{65ADC18D-CB41-44C6-BCBA-CBDF156F6C76}"/>
+                          <a16:creationId xmlns:a16="http://schemas.microsoft.com/office/drawing/2014/main" id="{096B4C77-79B9-427B-828F-231318BF48B2}"/>
                         </a:ext>
                       </a:extLst>
                     </p:cNvPr>
@@ -4300,17 +5584,16 @@
                   </p:nvSpPr>
                   <p:spPr>
                     <a:xfrm>
-                      <a:off x="418923" y="5856152"/>
-                      <a:ext cx="1516861" cy="524594"/>
+                      <a:off x="767592" y="2007319"/>
+                      <a:ext cx="1516861" cy="917917"/>
                     </a:xfrm>
-                    <a:prstGeom prst="roundRect">
+                    <a:prstGeom prst="hexagon">
                       <a:avLst/>
                     </a:prstGeom>
                     <a:solidFill>
-                      <a:schemeClr val="accent6">
-                        <a:lumMod val="75000"/>
-                        <a:alpha val="75000"/>
-                      </a:schemeClr>
+                      <a:srgbClr val="C00000">
+                        <a:alpha val="50000"/>
+                      </a:srgbClr>
                     </a:solidFill>
                     <a:ln>
                       <a:solidFill>
@@ -4348,10 +5631,10 @@
                 </p:sp>
                 <p:sp>
                   <p:nvSpPr>
-                    <p:cNvPr id="115" name="TextBox 114">
+                    <p:cNvPr id="94" name="TextBox 93">
                       <a:extLst>
                         <a:ext uri="{FF2B5EF4-FFF2-40B4-BE49-F238E27FC236}">
-                          <a16:creationId xmlns:a16="http://schemas.microsoft.com/office/drawing/2014/main" id="{333AEABE-FC1B-4C21-8581-82B067BE5426}"/>
+                          <a16:creationId xmlns:a16="http://schemas.microsoft.com/office/drawing/2014/main" id="{559DF579-473B-47A7-BBBD-DFB5AE11C1B8}"/>
                         </a:ext>
                       </a:extLst>
                     </p:cNvPr>
@@ -4360,124 +5643,7 @@
                   </p:nvSpPr>
                   <p:spPr>
                     <a:xfrm>
-                      <a:off x="418923" y="5942975"/>
-                      <a:ext cx="1516861" cy="369332"/>
-                    </a:xfrm>
-                    <a:prstGeom prst="rect">
-                      <a:avLst/>
-                    </a:prstGeom>
-                    <a:noFill/>
-                  </p:spPr>
-                  <p:txBody>
-                    <a:bodyPr wrap="square" rtlCol="0">
-                      <a:spAutoFit/>
-                    </a:bodyPr>
-                    <a:lstStyle/>
-                    <a:p>
-                      <a:pPr algn="ctr"/>
-                      <a:r>
-                        <a:rPr lang="en-US" dirty="0"/>
-                        <a:t>Sex Ratio</a:t>
-                      </a:r>
-                    </a:p>
-                  </p:txBody>
-                </p:sp>
-              </p:grpSp>
-              <p:grpSp>
-                <p:nvGrpSpPr>
-                  <p:cNvPr id="108" name="Group 107">
-                    <a:extLst>
-                      <a:ext uri="{FF2B5EF4-FFF2-40B4-BE49-F238E27FC236}">
-                        <a16:creationId xmlns:a16="http://schemas.microsoft.com/office/drawing/2014/main" id="{C7DBA364-C63B-4808-B4A2-7736000392EF}"/>
-                      </a:ext>
-                    </a:extLst>
-                  </p:cNvPr>
-                  <p:cNvGrpSpPr/>
-                  <p:nvPr/>
-                </p:nvGrpSpPr>
-                <p:grpSpPr>
-                  <a:xfrm>
-                    <a:off x="824849" y="5011953"/>
-                    <a:ext cx="1516861" cy="917917"/>
-                    <a:chOff x="418926" y="4634244"/>
-                    <a:chExt cx="1516861" cy="917917"/>
-                  </a:xfrm>
-                </p:grpSpPr>
-                <p:sp>
-                  <p:nvSpPr>
-                    <p:cNvPr id="112" name="Hexagon 111">
-                      <a:extLst>
-                        <a:ext uri="{FF2B5EF4-FFF2-40B4-BE49-F238E27FC236}">
-                          <a16:creationId xmlns:a16="http://schemas.microsoft.com/office/drawing/2014/main" id="{DED895CB-3E6A-4D7F-8705-272637F1DA3A}"/>
-                        </a:ext>
-                      </a:extLst>
-                    </p:cNvPr>
-                    <p:cNvSpPr/>
-                    <p:nvPr/>
-                  </p:nvSpPr>
-                  <p:spPr>
-                    <a:xfrm>
-                      <a:off x="418926" y="4634244"/>
-                      <a:ext cx="1516861" cy="917917"/>
-                    </a:xfrm>
-                    <a:prstGeom prst="hexagon">
-                      <a:avLst/>
-                    </a:prstGeom>
-                    <a:solidFill>
-                      <a:schemeClr val="accent6">
-                        <a:lumMod val="75000"/>
-                        <a:alpha val="75000"/>
-                      </a:schemeClr>
-                    </a:solidFill>
-                    <a:ln>
-                      <a:solidFill>
-                        <a:schemeClr val="tx1">
-                          <a:lumMod val="50000"/>
-                          <a:lumOff val="50000"/>
-                        </a:schemeClr>
-                      </a:solidFill>
-                    </a:ln>
-                  </p:spPr>
-                  <p:style>
-                    <a:lnRef idx="2">
-                      <a:schemeClr val="accent1">
-                        <a:shade val="50000"/>
-                      </a:schemeClr>
-                    </a:lnRef>
-                    <a:fillRef idx="1">
-                      <a:schemeClr val="accent1"/>
-                    </a:fillRef>
-                    <a:effectRef idx="0">
-                      <a:schemeClr val="accent1"/>
-                    </a:effectRef>
-                    <a:fontRef idx="minor">
-                      <a:schemeClr val="lt1"/>
-                    </a:fontRef>
-                  </p:style>
-                  <p:txBody>
-                    <a:bodyPr rtlCol="0" anchor="ctr"/>
-                    <a:lstStyle/>
-                    <a:p>
-                      <a:pPr algn="ctr"/>
-                      <a:endParaRPr lang="en-US"/>
-                    </a:p>
-                  </p:txBody>
-                </p:sp>
-                <p:sp>
-                  <p:nvSpPr>
-                    <p:cNvPr id="113" name="TextBox 112">
-                      <a:extLst>
-                        <a:ext uri="{FF2B5EF4-FFF2-40B4-BE49-F238E27FC236}">
-                          <a16:creationId xmlns:a16="http://schemas.microsoft.com/office/drawing/2014/main" id="{4C67196F-4FFC-41EE-B7EC-5E6B7E721987}"/>
-                        </a:ext>
-                      </a:extLst>
-                    </p:cNvPr>
-                    <p:cNvSpPr txBox="1"/>
-                    <p:nvPr/>
-                  </p:nvSpPr>
-                  <p:spPr>
-                    <a:xfrm>
-                      <a:off x="418926" y="4781350"/>
+                      <a:off x="767591" y="2125131"/>
                       <a:ext cx="1516861" cy="646331"/>
                     </a:xfrm>
                     <a:prstGeom prst="rect">
@@ -4494,1462 +5660,330 @@
                       <a:pPr algn="ctr"/>
                       <a:r>
                         <a:rPr lang="en-US" dirty="0"/>
-                        <a:t>Age-Specific</a:t>
+                        <a:t>Spawning Probability</a:t>
                       </a:r>
-                    </a:p>
-                    <a:p>
-                      <a:pPr algn="ctr"/>
-                      <a:r>
-                        <a:rPr lang="en-US" dirty="0"/>
-                        <a:t>Fecundity</a:t>
-                      </a:r>
-                    </a:p>
-                  </p:txBody>
-                </p:sp>
-              </p:grpSp>
-              <p:grpSp>
-                <p:nvGrpSpPr>
-                  <p:cNvPr id="109" name="Group 108">
-                    <a:extLst>
-                      <a:ext uri="{FF2B5EF4-FFF2-40B4-BE49-F238E27FC236}">
-                        <a16:creationId xmlns:a16="http://schemas.microsoft.com/office/drawing/2014/main" id="{585EE619-DAEF-4115-BBF2-A3BE8C6F252E}"/>
-                      </a:ext>
-                    </a:extLst>
-                  </p:cNvPr>
-                  <p:cNvGrpSpPr/>
-                  <p:nvPr/>
-                </p:nvGrpSpPr>
-                <p:grpSpPr>
-                  <a:xfrm>
-                    <a:off x="824847" y="3974375"/>
-                    <a:ext cx="1525935" cy="917917"/>
-                    <a:chOff x="418924" y="2471250"/>
-                    <a:chExt cx="1525935" cy="917917"/>
-                  </a:xfrm>
-                </p:grpSpPr>
-                <p:sp>
-                  <p:nvSpPr>
-                    <p:cNvPr id="110" name="Hexagon 109">
-                      <a:extLst>
-                        <a:ext uri="{FF2B5EF4-FFF2-40B4-BE49-F238E27FC236}">
-                          <a16:creationId xmlns:a16="http://schemas.microsoft.com/office/drawing/2014/main" id="{F54BD606-C000-41DF-B571-70DBF2F3C268}"/>
-                        </a:ext>
-                      </a:extLst>
-                    </p:cNvPr>
-                    <p:cNvSpPr/>
-                    <p:nvPr/>
-                  </p:nvSpPr>
-                  <p:spPr>
-                    <a:xfrm>
-                      <a:off x="418924" y="2471250"/>
-                      <a:ext cx="1516861" cy="917917"/>
-                    </a:xfrm>
-                    <a:prstGeom prst="hexagon">
-                      <a:avLst/>
-                    </a:prstGeom>
-                    <a:solidFill>
-                      <a:schemeClr val="accent6">
-                        <a:lumMod val="75000"/>
-                        <a:alpha val="75000"/>
-                      </a:schemeClr>
-                    </a:solidFill>
-                    <a:ln>
-                      <a:solidFill>
-                        <a:schemeClr val="tx1">
-                          <a:lumMod val="50000"/>
-                          <a:lumOff val="50000"/>
-                        </a:schemeClr>
-                      </a:solidFill>
-                    </a:ln>
-                  </p:spPr>
-                  <p:style>
-                    <a:lnRef idx="2">
-                      <a:schemeClr val="accent1">
-                        <a:shade val="50000"/>
-                      </a:schemeClr>
-                    </a:lnRef>
-                    <a:fillRef idx="1">
-                      <a:schemeClr val="accent1"/>
-                    </a:fillRef>
-                    <a:effectRef idx="0">
-                      <a:schemeClr val="accent1"/>
-                    </a:effectRef>
-                    <a:fontRef idx="minor">
-                      <a:schemeClr val="lt1"/>
-                    </a:fontRef>
-                  </p:style>
-                  <p:txBody>
-                    <a:bodyPr rtlCol="0" anchor="ctr"/>
-                    <a:lstStyle/>
-                    <a:p>
-                      <a:pPr algn="ctr"/>
-                      <a:endParaRPr lang="en-US"/>
-                    </a:p>
-                  </p:txBody>
-                </p:sp>
-                <p:sp>
-                  <p:nvSpPr>
-                    <p:cNvPr id="111" name="TextBox 110">
-                      <a:extLst>
-                        <a:ext uri="{FF2B5EF4-FFF2-40B4-BE49-F238E27FC236}">
-                          <a16:creationId xmlns:a16="http://schemas.microsoft.com/office/drawing/2014/main" id="{1EFA32C4-6420-48C8-9241-BCC4680F2558}"/>
-                        </a:ext>
-                      </a:extLst>
-                    </p:cNvPr>
-                    <p:cNvSpPr txBox="1"/>
-                    <p:nvPr/>
-                  </p:nvSpPr>
-                  <p:spPr>
-                    <a:xfrm>
-                      <a:off x="427998" y="2619248"/>
-                      <a:ext cx="1516861" cy="646331"/>
-                    </a:xfrm>
-                    <a:prstGeom prst="rect">
-                      <a:avLst/>
-                    </a:prstGeom>
-                    <a:noFill/>
-                  </p:spPr>
-                  <p:txBody>
-                    <a:bodyPr wrap="square" rtlCol="0">
-                      <a:spAutoFit/>
-                    </a:bodyPr>
-                    <a:lstStyle/>
-                    <a:p>
-                      <a:pPr algn="ctr"/>
-                      <a:r>
-                        <a:rPr lang="en-US" dirty="0"/>
-                        <a:t>Age-Specific</a:t>
-                      </a:r>
-                    </a:p>
-                    <a:p>
-                      <a:pPr algn="ctr"/>
-                      <a:r>
-                        <a:rPr lang="en-US" dirty="0"/>
-                        <a:t>Maturation</a:t>
-                      </a:r>
+                      <a:endParaRPr lang="en-US" sz="1100" dirty="0"/>
                     </a:p>
                   </p:txBody>
                 </p:sp>
               </p:grpSp>
             </p:grpSp>
+            <p:cxnSp>
+              <p:nvCxnSpPr>
+                <p:cNvPr id="87" name="Straight Arrow Connector 86">
+                  <a:extLst>
+                    <a:ext uri="{FF2B5EF4-FFF2-40B4-BE49-F238E27FC236}">
+                      <a16:creationId xmlns:a16="http://schemas.microsoft.com/office/drawing/2014/main" id="{6D18C5EB-5544-4F34-AC2E-CD9D05FD6AA9}"/>
+                    </a:ext>
+                  </a:extLst>
+                </p:cNvPr>
+                <p:cNvCxnSpPr>
+                  <a:cxnSpLocks/>
+                  <a:stCxn id="93" idx="0"/>
+                  <a:endCxn id="103" idx="3"/>
+                </p:cNvCxnSpPr>
+                <p:nvPr/>
+              </p:nvCxnSpPr>
+              <p:spPr>
+                <a:xfrm>
+                  <a:off x="2284453" y="2122741"/>
+                  <a:ext cx="1866844" cy="3332914"/>
+                </a:xfrm>
+                <a:prstGeom prst="straightConnector1">
+                  <a:avLst/>
+                </a:prstGeom>
+                <a:ln w="22225">
+                  <a:solidFill>
+                    <a:schemeClr val="tx1"/>
+                  </a:solidFill>
+                  <a:tailEnd type="triangle"/>
+                </a:ln>
+              </p:spPr>
+              <p:style>
+                <a:lnRef idx="1">
+                  <a:schemeClr val="accent1"/>
+                </a:lnRef>
+                <a:fillRef idx="0">
+                  <a:schemeClr val="accent1"/>
+                </a:fillRef>
+                <a:effectRef idx="0">
+                  <a:schemeClr val="accent1"/>
+                </a:effectRef>
+                <a:fontRef idx="minor">
+                  <a:schemeClr val="tx1"/>
+                </a:fontRef>
+              </p:style>
+            </p:cxnSp>
+            <p:cxnSp>
+              <p:nvCxnSpPr>
+                <p:cNvPr id="88" name="Straight Arrow Connector 87">
+                  <a:extLst>
+                    <a:ext uri="{FF2B5EF4-FFF2-40B4-BE49-F238E27FC236}">
+                      <a16:creationId xmlns:a16="http://schemas.microsoft.com/office/drawing/2014/main" id="{F7D6C3CB-29CE-4FA5-953C-55D41A3A9D13}"/>
+                    </a:ext>
+                  </a:extLst>
+                </p:cNvPr>
+                <p:cNvCxnSpPr>
+                  <a:cxnSpLocks/>
+                  <a:stCxn id="129" idx="0"/>
+                  <a:endCxn id="98" idx="1"/>
+                </p:cNvCxnSpPr>
+                <p:nvPr/>
+              </p:nvCxnSpPr>
+              <p:spPr>
+                <a:xfrm>
+                  <a:off x="6015463" y="4260404"/>
+                  <a:ext cx="1439446" cy="268"/>
+                </a:xfrm>
+                <a:prstGeom prst="straightConnector1">
+                  <a:avLst/>
+                </a:prstGeom>
+                <a:ln w="22225">
+                  <a:solidFill>
+                    <a:schemeClr val="tx1"/>
+                  </a:solidFill>
+                  <a:tailEnd type="triangle"/>
+                </a:ln>
+              </p:spPr>
+              <p:style>
+                <a:lnRef idx="1">
+                  <a:schemeClr val="accent1"/>
+                </a:lnRef>
+                <a:fillRef idx="0">
+                  <a:schemeClr val="accent1"/>
+                </a:fillRef>
+                <a:effectRef idx="0">
+                  <a:schemeClr val="accent1"/>
+                </a:effectRef>
+                <a:fontRef idx="minor">
+                  <a:schemeClr val="tx1"/>
+                </a:fontRef>
+              </p:style>
+            </p:cxnSp>
+            <p:cxnSp>
+              <p:nvCxnSpPr>
+                <p:cNvPr id="89" name="Straight Arrow Connector 88">
+                  <a:extLst>
+                    <a:ext uri="{FF2B5EF4-FFF2-40B4-BE49-F238E27FC236}">
+                      <a16:creationId xmlns:a16="http://schemas.microsoft.com/office/drawing/2014/main" id="{05935539-42B7-403A-9E16-AEE6179A1BDF}"/>
+                    </a:ext>
+                  </a:extLst>
+                </p:cNvPr>
+                <p:cNvCxnSpPr>
+                  <a:cxnSpLocks/>
+                  <a:stCxn id="120" idx="0"/>
+                  <a:endCxn id="97" idx="3"/>
+                </p:cNvCxnSpPr>
+                <p:nvPr/>
+              </p:nvCxnSpPr>
+              <p:spPr>
+                <a:xfrm>
+                  <a:off x="5832812" y="2335848"/>
+                  <a:ext cx="1622097" cy="1899443"/>
+                </a:xfrm>
+                <a:prstGeom prst="straightConnector1">
+                  <a:avLst/>
+                </a:prstGeom>
+                <a:ln w="22225">
+                  <a:solidFill>
+                    <a:schemeClr val="tx1"/>
+                  </a:solidFill>
+                  <a:tailEnd type="triangle"/>
+                </a:ln>
+              </p:spPr>
+              <p:style>
+                <a:lnRef idx="1">
+                  <a:schemeClr val="accent1"/>
+                </a:lnRef>
+                <a:fillRef idx="0">
+                  <a:schemeClr val="accent1"/>
+                </a:fillRef>
+                <a:effectRef idx="0">
+                  <a:schemeClr val="accent1"/>
+                </a:effectRef>
+                <a:fontRef idx="minor">
+                  <a:schemeClr val="tx1"/>
+                </a:fontRef>
+              </p:style>
+            </p:cxnSp>
+            <p:cxnSp>
+              <p:nvCxnSpPr>
+                <p:cNvPr id="90" name="Straight Arrow Connector 89">
+                  <a:extLst>
+                    <a:ext uri="{FF2B5EF4-FFF2-40B4-BE49-F238E27FC236}">
+                      <a16:creationId xmlns:a16="http://schemas.microsoft.com/office/drawing/2014/main" id="{EB22E848-4ED1-442B-A844-703A8B0EB4A8}"/>
+                    </a:ext>
+                  </a:extLst>
+                </p:cNvPr>
+                <p:cNvCxnSpPr>
+                  <a:cxnSpLocks/>
+                  <a:stCxn id="117" idx="3"/>
+                  <a:endCxn id="104" idx="1"/>
+                </p:cNvCxnSpPr>
+                <p:nvPr/>
+              </p:nvCxnSpPr>
+              <p:spPr>
+                <a:xfrm>
+                  <a:off x="2532562" y="3610780"/>
+                  <a:ext cx="1618735" cy="1856188"/>
+                </a:xfrm>
+                <a:prstGeom prst="straightConnector1">
+                  <a:avLst/>
+                </a:prstGeom>
+                <a:ln w="22225">
+                  <a:solidFill>
+                    <a:schemeClr val="tx1"/>
+                  </a:solidFill>
+                  <a:tailEnd type="triangle"/>
+                </a:ln>
+              </p:spPr>
+              <p:style>
+                <a:lnRef idx="1">
+                  <a:schemeClr val="accent1"/>
+                </a:lnRef>
+                <a:fillRef idx="0">
+                  <a:schemeClr val="accent1"/>
+                </a:fillRef>
+                <a:effectRef idx="0">
+                  <a:schemeClr val="accent1"/>
+                </a:effectRef>
+                <a:fontRef idx="minor">
+                  <a:schemeClr val="tx1"/>
+                </a:fontRef>
+              </p:style>
+            </p:cxnSp>
           </p:grpSp>
-          <p:cxnSp>
-            <p:nvCxnSpPr>
-              <p:cNvPr id="74" name="Straight Arrow Connector 73">
+        </p:grpSp>
+        <p:grpSp>
+          <p:nvGrpSpPr>
+            <p:cNvPr id="7" name="Group 6">
+              <a:extLst>
+                <a:ext uri="{FF2B5EF4-FFF2-40B4-BE49-F238E27FC236}">
+                  <a16:creationId xmlns:a16="http://schemas.microsoft.com/office/drawing/2014/main" id="{3D9D7E71-1FB6-498F-B55C-01387DEEE25C}"/>
+                </a:ext>
+              </a:extLst>
+            </p:cNvPr>
+            <p:cNvGrpSpPr/>
+            <p:nvPr/>
+          </p:nvGrpSpPr>
+          <p:grpSpPr>
+            <a:xfrm>
+              <a:off x="4025613" y="3814948"/>
+              <a:ext cx="1857329" cy="892553"/>
+              <a:chOff x="4025613" y="3814948"/>
+              <a:chExt cx="1857329" cy="892553"/>
+            </a:xfrm>
+          </p:grpSpPr>
+          <p:sp>
+            <p:nvSpPr>
+              <p:cNvPr id="129" name="Hexagon 128">
                 <a:extLst>
                   <a:ext uri="{FF2B5EF4-FFF2-40B4-BE49-F238E27FC236}">
-                    <a16:creationId xmlns:a16="http://schemas.microsoft.com/office/drawing/2014/main" id="{E52B3F6A-2E61-48CD-82EB-C463B6193DFD}"/>
+                    <a16:creationId xmlns:a16="http://schemas.microsoft.com/office/drawing/2014/main" id="{BB684651-21D2-4BFA-8BB5-86A9CE2B78F0}"/>
                   </a:ext>
                 </a:extLst>
               </p:cNvPr>
-              <p:cNvCxnSpPr>
-                <a:stCxn id="110" idx="0"/>
-                <a:endCxn id="103" idx="3"/>
-              </p:cNvCxnSpPr>
+              <p:cNvSpPr/>
               <p:nvPr/>
-            </p:nvCxnSpPr>
+            </p:nvSpPr>
             <p:spPr>
               <a:xfrm>
-                <a:off x="2341708" y="4526497"/>
-                <a:ext cx="1809589" cy="929158"/>
+                <a:off x="4025613" y="3824393"/>
+                <a:ext cx="1857329" cy="872021"/>
               </a:xfrm>
-              <a:prstGeom prst="straightConnector1">
+              <a:prstGeom prst="hexagon">
                 <a:avLst/>
               </a:prstGeom>
-              <a:ln w="22225">
+              <a:solidFill>
+                <a:schemeClr val="accent6">
+                  <a:lumMod val="75000"/>
+                  <a:alpha val="75000"/>
+                </a:schemeClr>
+              </a:solidFill>
+              <a:ln>
                 <a:solidFill>
-                  <a:schemeClr val="tx1"/>
+                  <a:schemeClr val="tx1">
+                    <a:lumMod val="50000"/>
+                    <a:lumOff val="50000"/>
+                  </a:schemeClr>
                 </a:solidFill>
-                <a:tailEnd type="triangle"/>
               </a:ln>
             </p:spPr>
             <p:style>
-              <a:lnRef idx="1">
-                <a:schemeClr val="accent1"/>
+              <a:lnRef idx="2">
+                <a:schemeClr val="accent1">
+                  <a:shade val="50000"/>
+                </a:schemeClr>
               </a:lnRef>
-              <a:fillRef idx="0">
+              <a:fillRef idx="1">
                 <a:schemeClr val="accent1"/>
               </a:fillRef>
               <a:effectRef idx="0">
                 <a:schemeClr val="accent1"/>
               </a:effectRef>
               <a:fontRef idx="minor">
-                <a:schemeClr val="tx1"/>
+                <a:schemeClr val="lt1"/>
               </a:fontRef>
             </p:style>
-          </p:cxnSp>
-          <p:cxnSp>
-            <p:nvCxnSpPr>
-              <p:cNvPr id="75" name="Straight Arrow Connector 74">
+            <p:txBody>
+              <a:bodyPr rtlCol="0" anchor="ctr"/>
+              <a:lstStyle/>
+              <a:p>
+                <a:pPr algn="ctr"/>
+                <a:endParaRPr lang="en-US"/>
+              </a:p>
+            </p:txBody>
+          </p:sp>
+          <p:sp>
+            <p:nvSpPr>
+              <p:cNvPr id="128" name="TextBox 127">
                 <a:extLst>
                   <a:ext uri="{FF2B5EF4-FFF2-40B4-BE49-F238E27FC236}">
-                    <a16:creationId xmlns:a16="http://schemas.microsoft.com/office/drawing/2014/main" id="{C6D1CDD2-C103-40B4-BED5-D174A67C5BE5}"/>
+                    <a16:creationId xmlns:a16="http://schemas.microsoft.com/office/drawing/2014/main" id="{65D070A4-2B7E-40C5-8454-2206E217398E}"/>
                   </a:ext>
                 </a:extLst>
               </p:cNvPr>
-              <p:cNvCxnSpPr>
-                <a:stCxn id="112" idx="0"/>
-                <a:endCxn id="103" idx="3"/>
-              </p:cNvCxnSpPr>
+              <p:cNvSpPr txBox="1"/>
               <p:nvPr/>
-            </p:nvCxnSpPr>
+            </p:nvSpPr>
             <p:spPr>
-              <a:xfrm flipV="1">
-                <a:off x="2341710" y="5455655"/>
-                <a:ext cx="1809587" cy="108420"/>
+              <a:xfrm>
+                <a:off x="4038211" y="3814948"/>
+                <a:ext cx="1832133" cy="892553"/>
               </a:xfrm>
-              <a:prstGeom prst="straightConnector1">
+              <a:prstGeom prst="rect">
                 <a:avLst/>
               </a:prstGeom>
-              <a:ln w="22225">
-                <a:solidFill>
-                  <a:schemeClr val="tx1"/>
-                </a:solidFill>
-                <a:tailEnd type="triangle"/>
-              </a:ln>
+              <a:noFill/>
             </p:spPr>
-            <p:style>
-              <a:lnRef idx="1">
-                <a:schemeClr val="accent1"/>
-              </a:lnRef>
-              <a:fillRef idx="0">
-                <a:schemeClr val="accent1"/>
-              </a:fillRef>
-              <a:effectRef idx="0">
-                <a:schemeClr val="accent1"/>
-              </a:effectRef>
-              <a:fontRef idx="minor">
-                <a:schemeClr val="tx1"/>
-              </a:fontRef>
-            </p:style>
-          </p:cxnSp>
-          <p:cxnSp>
-            <p:nvCxnSpPr>
-              <p:cNvPr id="76" name="Straight Arrow Connector 75">
-                <a:extLst>
-                  <a:ext uri="{FF2B5EF4-FFF2-40B4-BE49-F238E27FC236}">
-                    <a16:creationId xmlns:a16="http://schemas.microsoft.com/office/drawing/2014/main" id="{F7E6794A-5CD9-4C92-97F9-F162FFF3F5A8}"/>
-                  </a:ext>
-                </a:extLst>
-              </p:cNvPr>
-              <p:cNvCxnSpPr>
-                <a:stCxn id="114" idx="3"/>
-                <a:endCxn id="103" idx="3"/>
-              </p:cNvCxnSpPr>
-              <p:nvPr/>
-            </p:nvCxnSpPr>
-            <p:spPr>
-              <a:xfrm flipV="1">
-                <a:off x="2341707" y="5455655"/>
-                <a:ext cx="1809590" cy="964854"/>
-              </a:xfrm>
-              <a:prstGeom prst="straightConnector1">
-                <a:avLst/>
-              </a:prstGeom>
-              <a:ln w="22225">
-                <a:solidFill>
-                  <a:schemeClr val="tx1"/>
-                </a:solidFill>
-                <a:tailEnd type="triangle"/>
-              </a:ln>
-            </p:spPr>
-            <p:style>
-              <a:lnRef idx="1">
-                <a:schemeClr val="accent1"/>
-              </a:lnRef>
-              <a:fillRef idx="0">
-                <a:schemeClr val="accent1"/>
-              </a:fillRef>
-              <a:effectRef idx="0">
-                <a:schemeClr val="accent1"/>
-              </a:effectRef>
-              <a:fontRef idx="minor">
-                <a:schemeClr val="tx1"/>
-              </a:fontRef>
-            </p:style>
-          </p:cxnSp>
-          <p:grpSp>
-            <p:nvGrpSpPr>
-              <p:cNvPr id="77" name="Group 76">
-                <a:extLst>
-                  <a:ext uri="{FF2B5EF4-FFF2-40B4-BE49-F238E27FC236}">
-                    <a16:creationId xmlns:a16="http://schemas.microsoft.com/office/drawing/2014/main" id="{C4B46071-E2F2-4178-8A78-67F1A960DC81}"/>
-                  </a:ext>
-                </a:extLst>
-              </p:cNvPr>
-              <p:cNvGrpSpPr/>
-              <p:nvPr/>
-            </p:nvGrpSpPr>
-            <p:grpSpPr>
-              <a:xfrm>
-                <a:off x="4151297" y="4996696"/>
-                <a:ext cx="1871003" cy="917917"/>
-                <a:chOff x="3854807" y="3676102"/>
-                <a:chExt cx="1871003" cy="917917"/>
-              </a:xfrm>
-            </p:grpSpPr>
-            <p:sp>
-              <p:nvSpPr>
-                <p:cNvPr id="103" name="Hexagon 102">
-                  <a:extLst>
-                    <a:ext uri="{FF2B5EF4-FFF2-40B4-BE49-F238E27FC236}">
-                      <a16:creationId xmlns:a16="http://schemas.microsoft.com/office/drawing/2014/main" id="{E3AB5D44-8885-4663-8BE3-BB954125247F}"/>
-                    </a:ext>
-                  </a:extLst>
-                </p:cNvPr>
-                <p:cNvSpPr/>
-                <p:nvPr/>
-              </p:nvSpPr>
-              <p:spPr>
-                <a:xfrm>
-                  <a:off x="3854807" y="3676102"/>
-                  <a:ext cx="1871003" cy="917917"/>
-                </a:xfrm>
-                <a:prstGeom prst="hexagon">
-                  <a:avLst/>
-                </a:prstGeom>
-                <a:solidFill>
-                  <a:schemeClr val="accent6">
-                    <a:lumMod val="75000"/>
-                    <a:alpha val="75000"/>
-                  </a:schemeClr>
-                </a:solidFill>
-                <a:ln>
-                  <a:solidFill>
-                    <a:schemeClr val="tx1">
-                      <a:lumMod val="50000"/>
-                      <a:lumOff val="50000"/>
-                    </a:schemeClr>
-                  </a:solidFill>
-                </a:ln>
-              </p:spPr>
-              <p:style>
-                <a:lnRef idx="2">
-                  <a:schemeClr val="accent1">
-                    <a:shade val="50000"/>
-                  </a:schemeClr>
-                </a:lnRef>
-                <a:fillRef idx="1">
-                  <a:schemeClr val="accent1"/>
-                </a:fillRef>
-                <a:effectRef idx="0">
-                  <a:schemeClr val="accent1"/>
-                </a:effectRef>
-                <a:fontRef idx="minor">
-                  <a:schemeClr val="lt1"/>
-                </a:fontRef>
-              </p:style>
-              <p:txBody>
-                <a:bodyPr rtlCol="0" anchor="ctr"/>
-                <a:lstStyle/>
-                <a:p>
-                  <a:pPr algn="ctr"/>
-                  <a:endParaRPr lang="en-US"/>
-                </a:p>
-              </p:txBody>
-            </p:sp>
-            <p:sp>
-              <p:nvSpPr>
-                <p:cNvPr id="104" name="TextBox 103">
-                  <a:extLst>
-                    <a:ext uri="{FF2B5EF4-FFF2-40B4-BE49-F238E27FC236}">
-                      <a16:creationId xmlns:a16="http://schemas.microsoft.com/office/drawing/2014/main" id="{488AA045-D0FE-4836-A628-02D72C3E2B1B}"/>
-                    </a:ext>
-                  </a:extLst>
-                </p:cNvPr>
-                <p:cNvSpPr txBox="1"/>
-                <p:nvPr/>
-              </p:nvSpPr>
-              <p:spPr>
-                <a:xfrm>
-                  <a:off x="3854807" y="3823208"/>
-                  <a:ext cx="1871003" cy="646331"/>
-                </a:xfrm>
-                <a:prstGeom prst="rect">
-                  <a:avLst/>
-                </a:prstGeom>
-                <a:noFill/>
-              </p:spPr>
-              <p:txBody>
-                <a:bodyPr wrap="square" rtlCol="0">
-                  <a:spAutoFit/>
-                </a:bodyPr>
-                <a:lstStyle/>
-                <a:p>
-                  <a:pPr algn="ctr"/>
-                  <a:r>
-                    <a:rPr lang="en-US" dirty="0"/>
-                    <a:t>Age-Specific</a:t>
-                  </a:r>
-                </a:p>
-                <a:p>
-                  <a:pPr algn="ctr"/>
-                  <a:r>
-                    <a:rPr lang="en-US" dirty="0"/>
-                    <a:t>Reproduction</a:t>
-                  </a:r>
-                </a:p>
-              </p:txBody>
-            </p:sp>
-          </p:grpSp>
-          <p:grpSp>
-            <p:nvGrpSpPr>
-              <p:cNvPr id="78" name="Group 77">
-                <a:extLst>
-                  <a:ext uri="{FF2B5EF4-FFF2-40B4-BE49-F238E27FC236}">
-                    <a16:creationId xmlns:a16="http://schemas.microsoft.com/office/drawing/2014/main" id="{3196F8E2-C11E-4BD6-B1E2-D8B3CEF381ED}"/>
-                  </a:ext>
-                </a:extLst>
-              </p:cNvPr>
-              <p:cNvGrpSpPr/>
-              <p:nvPr/>
-            </p:nvGrpSpPr>
-            <p:grpSpPr>
-              <a:xfrm>
-                <a:off x="7454909" y="4822872"/>
-                <a:ext cx="1516861" cy="917917"/>
-                <a:chOff x="7176617" y="4372704"/>
-                <a:chExt cx="1516861" cy="917917"/>
-              </a:xfrm>
-            </p:grpSpPr>
-            <p:sp>
-              <p:nvSpPr>
-                <p:cNvPr id="101" name="Hexagon 100">
-                  <a:extLst>
-                    <a:ext uri="{FF2B5EF4-FFF2-40B4-BE49-F238E27FC236}">
-                      <a16:creationId xmlns:a16="http://schemas.microsoft.com/office/drawing/2014/main" id="{1C286A64-F12B-492B-9FDF-066DF8A6D157}"/>
-                    </a:ext>
-                  </a:extLst>
-                </p:cNvPr>
-                <p:cNvSpPr/>
-                <p:nvPr/>
-              </p:nvSpPr>
-              <p:spPr>
-                <a:xfrm>
-                  <a:off x="7176617" y="4372704"/>
-                  <a:ext cx="1516861" cy="917917"/>
-                </a:xfrm>
-                <a:prstGeom prst="hexagon">
-                  <a:avLst/>
-                </a:prstGeom>
-                <a:solidFill>
-                  <a:schemeClr val="accent6">
-                    <a:lumMod val="75000"/>
-                    <a:alpha val="75000"/>
-                  </a:schemeClr>
-                </a:solidFill>
-                <a:ln>
-                  <a:solidFill>
-                    <a:schemeClr val="tx1">
-                      <a:lumMod val="50000"/>
-                      <a:lumOff val="50000"/>
-                    </a:schemeClr>
-                  </a:solidFill>
-                </a:ln>
-              </p:spPr>
-              <p:style>
-                <a:lnRef idx="2">
-                  <a:schemeClr val="accent1">
-                    <a:shade val="50000"/>
-                  </a:schemeClr>
-                </a:lnRef>
-                <a:fillRef idx="1">
-                  <a:schemeClr val="accent1"/>
-                </a:fillRef>
-                <a:effectRef idx="0">
-                  <a:schemeClr val="accent1"/>
-                </a:effectRef>
-                <a:fontRef idx="minor">
-                  <a:schemeClr val="lt1"/>
-                </a:fontRef>
-              </p:style>
-              <p:txBody>
-                <a:bodyPr rtlCol="0" anchor="ctr"/>
-                <a:lstStyle/>
-                <a:p>
-                  <a:pPr algn="ctr"/>
-                  <a:endParaRPr lang="en-US"/>
-                </a:p>
-              </p:txBody>
-            </p:sp>
-            <p:sp>
-              <p:nvSpPr>
-                <p:cNvPr id="102" name="TextBox 101">
-                  <a:extLst>
-                    <a:ext uri="{FF2B5EF4-FFF2-40B4-BE49-F238E27FC236}">
-                      <a16:creationId xmlns:a16="http://schemas.microsoft.com/office/drawing/2014/main" id="{E85F336F-9917-4E1D-BD13-7D06A9E395D3}"/>
-                    </a:ext>
-                  </a:extLst>
-                </p:cNvPr>
-                <p:cNvSpPr txBox="1"/>
-                <p:nvPr/>
-              </p:nvSpPr>
-              <p:spPr>
-                <a:xfrm>
-                  <a:off x="7176617" y="4533878"/>
-                  <a:ext cx="1516861" cy="646331"/>
-                </a:xfrm>
-                <a:prstGeom prst="rect">
-                  <a:avLst/>
-                </a:prstGeom>
-                <a:noFill/>
-              </p:spPr>
-              <p:txBody>
-                <a:bodyPr wrap="square" rtlCol="0">
-                  <a:spAutoFit/>
-                </a:bodyPr>
-                <a:lstStyle/>
-                <a:p>
-                  <a:pPr algn="ctr"/>
-                  <a:r>
-                    <a:rPr lang="en-US" dirty="0"/>
-                    <a:t>Age-Specific</a:t>
-                  </a:r>
-                </a:p>
-                <a:p>
-                  <a:pPr algn="ctr"/>
-                  <a:r>
-                    <a:rPr lang="en-US" dirty="0"/>
-                    <a:t>Survival</a:t>
-                  </a:r>
-                </a:p>
-              </p:txBody>
-            </p:sp>
-          </p:grpSp>
-          <p:grpSp>
-            <p:nvGrpSpPr>
-              <p:cNvPr id="79" name="Group 78">
-                <a:extLst>
-                  <a:ext uri="{FF2B5EF4-FFF2-40B4-BE49-F238E27FC236}">
-                    <a16:creationId xmlns:a16="http://schemas.microsoft.com/office/drawing/2014/main" id="{3FCC055D-D557-4FC0-8E56-5FC0F749DD92}"/>
-                  </a:ext>
-                </a:extLst>
-              </p:cNvPr>
-              <p:cNvGrpSpPr/>
-              <p:nvPr/>
-            </p:nvGrpSpPr>
-            <p:grpSpPr>
-              <a:xfrm>
-                <a:off x="7454909" y="5852301"/>
-                <a:ext cx="1516861" cy="732196"/>
-                <a:chOff x="7176617" y="5753825"/>
-                <a:chExt cx="1516861" cy="732196"/>
-              </a:xfrm>
-            </p:grpSpPr>
-            <p:sp>
-              <p:nvSpPr>
-                <p:cNvPr id="99" name="Rectangle: Rounded Corners 98">
-                  <a:extLst>
-                    <a:ext uri="{FF2B5EF4-FFF2-40B4-BE49-F238E27FC236}">
-                      <a16:creationId xmlns:a16="http://schemas.microsoft.com/office/drawing/2014/main" id="{3C4C43AE-DECB-4D41-8814-41B3ABC038BD}"/>
-                    </a:ext>
-                  </a:extLst>
-                </p:cNvPr>
-                <p:cNvSpPr/>
-                <p:nvPr/>
-              </p:nvSpPr>
-              <p:spPr>
-                <a:xfrm>
-                  <a:off x="7176617" y="5753825"/>
-                  <a:ext cx="1516861" cy="732196"/>
-                </a:xfrm>
-                <a:prstGeom prst="roundRect">
-                  <a:avLst/>
-                </a:prstGeom>
-                <a:solidFill>
-                  <a:schemeClr val="accent6">
-                    <a:lumMod val="75000"/>
-                    <a:alpha val="75000"/>
-                  </a:schemeClr>
-                </a:solidFill>
-                <a:ln>
-                  <a:solidFill>
-                    <a:schemeClr val="tx1">
-                      <a:lumMod val="50000"/>
-                      <a:lumOff val="50000"/>
-                    </a:schemeClr>
-                  </a:solidFill>
-                </a:ln>
-              </p:spPr>
-              <p:style>
-                <a:lnRef idx="2">
-                  <a:schemeClr val="accent1">
-                    <a:shade val="50000"/>
-                  </a:schemeClr>
-                </a:lnRef>
-                <a:fillRef idx="1">
-                  <a:schemeClr val="accent1"/>
-                </a:fillRef>
-                <a:effectRef idx="0">
-                  <a:schemeClr val="accent1"/>
-                </a:effectRef>
-                <a:fontRef idx="minor">
-                  <a:schemeClr val="lt1"/>
-                </a:fontRef>
-              </p:style>
-              <p:txBody>
-                <a:bodyPr rtlCol="0" anchor="ctr"/>
-                <a:lstStyle/>
-                <a:p>
-                  <a:pPr algn="ctr"/>
-                  <a:endParaRPr lang="en-US"/>
-                </a:p>
-              </p:txBody>
-            </p:sp>
-            <p:sp>
-              <p:nvSpPr>
-                <p:cNvPr id="100" name="TextBox 99">
-                  <a:extLst>
-                    <a:ext uri="{FF2B5EF4-FFF2-40B4-BE49-F238E27FC236}">
-                      <a16:creationId xmlns:a16="http://schemas.microsoft.com/office/drawing/2014/main" id="{195F5888-2D01-4EEC-80B6-BBE38ECE284F}"/>
-                    </a:ext>
-                  </a:extLst>
-                </p:cNvPr>
-                <p:cNvSpPr txBox="1"/>
-                <p:nvPr/>
-              </p:nvSpPr>
-              <p:spPr>
-                <a:xfrm>
-                  <a:off x="7176617" y="5816240"/>
-                  <a:ext cx="1516861" cy="646331"/>
-                </a:xfrm>
-                <a:prstGeom prst="rect">
-                  <a:avLst/>
-                </a:prstGeom>
-                <a:noFill/>
-              </p:spPr>
-              <p:txBody>
-                <a:bodyPr wrap="square" rtlCol="0">
-                  <a:spAutoFit/>
-                </a:bodyPr>
-                <a:lstStyle/>
-                <a:p>
-                  <a:pPr algn="ctr"/>
-                  <a:r>
-                    <a:rPr lang="en-US" dirty="0"/>
-                    <a:t>Maximum Age</a:t>
-                  </a:r>
-                </a:p>
-              </p:txBody>
-            </p:sp>
-          </p:grpSp>
-          <p:grpSp>
-            <p:nvGrpSpPr>
-              <p:cNvPr id="80" name="Group 79">
-                <a:extLst>
-                  <a:ext uri="{FF2B5EF4-FFF2-40B4-BE49-F238E27FC236}">
-                    <a16:creationId xmlns:a16="http://schemas.microsoft.com/office/drawing/2014/main" id="{5C3D8AAC-06AB-4CEF-928C-F6C2E1D3818C}"/>
-                  </a:ext>
-                </a:extLst>
-              </p:cNvPr>
-              <p:cNvGrpSpPr/>
-              <p:nvPr/>
-            </p:nvGrpSpPr>
-            <p:grpSpPr>
-              <a:xfrm>
-                <a:off x="7454909" y="3776332"/>
-                <a:ext cx="1516861" cy="917917"/>
-                <a:chOff x="7176617" y="3115149"/>
-                <a:chExt cx="1516861" cy="917917"/>
-              </a:xfrm>
-            </p:grpSpPr>
-            <p:sp>
-              <p:nvSpPr>
-                <p:cNvPr id="97" name="Hexagon 96">
-                  <a:extLst>
-                    <a:ext uri="{FF2B5EF4-FFF2-40B4-BE49-F238E27FC236}">
-                      <a16:creationId xmlns:a16="http://schemas.microsoft.com/office/drawing/2014/main" id="{3F24B032-5E2E-4133-918A-2E22B0457C7E}"/>
-                    </a:ext>
-                  </a:extLst>
-                </p:cNvPr>
-                <p:cNvSpPr/>
-                <p:nvPr/>
-              </p:nvSpPr>
-              <p:spPr>
-                <a:xfrm>
-                  <a:off x="7176617" y="3115149"/>
-                  <a:ext cx="1516861" cy="917917"/>
-                </a:xfrm>
-                <a:prstGeom prst="hexagon">
-                  <a:avLst/>
-                </a:prstGeom>
-                <a:solidFill>
-                  <a:schemeClr val="accent6">
-                    <a:lumMod val="75000"/>
-                    <a:alpha val="75000"/>
-                  </a:schemeClr>
-                </a:solidFill>
-                <a:ln>
-                  <a:solidFill>
-                    <a:schemeClr val="tx1">
-                      <a:lumMod val="50000"/>
-                      <a:lumOff val="50000"/>
-                    </a:schemeClr>
-                  </a:solidFill>
-                </a:ln>
-              </p:spPr>
-              <p:style>
-                <a:lnRef idx="2">
-                  <a:schemeClr val="accent1">
-                    <a:shade val="50000"/>
-                  </a:schemeClr>
-                </a:lnRef>
-                <a:fillRef idx="1">
-                  <a:schemeClr val="accent1"/>
-                </a:fillRef>
-                <a:effectRef idx="0">
-                  <a:schemeClr val="accent1"/>
-                </a:effectRef>
-                <a:fontRef idx="minor">
-                  <a:schemeClr val="lt1"/>
-                </a:fontRef>
-              </p:style>
-              <p:txBody>
-                <a:bodyPr rtlCol="0" anchor="ctr"/>
-                <a:lstStyle/>
-                <a:p>
-                  <a:pPr algn="ctr"/>
-                  <a:endParaRPr lang="en-US"/>
-                </a:p>
-              </p:txBody>
-            </p:sp>
-            <p:sp>
-              <p:nvSpPr>
-                <p:cNvPr id="98" name="TextBox 97">
-                  <a:extLst>
-                    <a:ext uri="{FF2B5EF4-FFF2-40B4-BE49-F238E27FC236}">
-                      <a16:creationId xmlns:a16="http://schemas.microsoft.com/office/drawing/2014/main" id="{2A3AD1A9-94DD-4502-A1F9-293824058F99}"/>
-                    </a:ext>
-                  </a:extLst>
-                </p:cNvPr>
-                <p:cNvSpPr txBox="1"/>
-                <p:nvPr/>
-              </p:nvSpPr>
-              <p:spPr>
-                <a:xfrm>
-                  <a:off x="7176617" y="3276323"/>
-                  <a:ext cx="1516861" cy="646331"/>
-                </a:xfrm>
-                <a:prstGeom prst="rect">
-                  <a:avLst/>
-                </a:prstGeom>
-                <a:noFill/>
-              </p:spPr>
-              <p:txBody>
-                <a:bodyPr wrap="square" rtlCol="0">
-                  <a:spAutoFit/>
-                </a:bodyPr>
-                <a:lstStyle/>
-                <a:p>
-                  <a:pPr algn="ctr"/>
-                  <a:r>
-                    <a:rPr lang="en-US" dirty="0"/>
-                    <a:t>Age-Specific</a:t>
-                  </a:r>
-                </a:p>
-                <a:p>
-                  <a:pPr algn="ctr"/>
-                  <a:r>
-                    <a:rPr lang="en-US" dirty="0"/>
-                    <a:t>Fertility</a:t>
-                  </a:r>
-                </a:p>
-              </p:txBody>
-            </p:sp>
-          </p:grpSp>
-          <p:cxnSp>
-            <p:nvCxnSpPr>
-              <p:cNvPr id="81" name="Straight Arrow Connector 80">
-                <a:extLst>
-                  <a:ext uri="{FF2B5EF4-FFF2-40B4-BE49-F238E27FC236}">
-                    <a16:creationId xmlns:a16="http://schemas.microsoft.com/office/drawing/2014/main" id="{8D978A03-BF20-41A6-B3D5-14700B985809}"/>
-                  </a:ext>
-                </a:extLst>
-              </p:cNvPr>
-              <p:cNvCxnSpPr>
-                <a:stCxn id="103" idx="0"/>
-                <a:endCxn id="97" idx="3"/>
-              </p:cNvCxnSpPr>
-              <p:nvPr/>
-            </p:nvCxnSpPr>
-            <p:spPr>
-              <a:xfrm flipV="1">
-                <a:off x="6022300" y="4235291"/>
-                <a:ext cx="1432609" cy="1220364"/>
-              </a:xfrm>
-              <a:prstGeom prst="straightConnector1">
-                <a:avLst/>
-              </a:prstGeom>
-              <a:ln w="22225">
-                <a:solidFill>
-                  <a:schemeClr val="tx1"/>
-                </a:solidFill>
-                <a:tailEnd type="triangle"/>
-              </a:ln>
-            </p:spPr>
-            <p:style>
-              <a:lnRef idx="1">
-                <a:schemeClr val="accent1"/>
-              </a:lnRef>
-              <a:fillRef idx="0">
-                <a:schemeClr val="accent1"/>
-              </a:fillRef>
-              <a:effectRef idx="0">
-                <a:schemeClr val="accent1"/>
-              </a:effectRef>
-              <a:fontRef idx="minor">
-                <a:schemeClr val="tx1"/>
-              </a:fontRef>
-            </p:style>
-          </p:cxnSp>
-          <p:cxnSp>
-            <p:nvCxnSpPr>
-              <p:cNvPr id="82" name="Straight Arrow Connector 81">
-                <a:extLst>
-                  <a:ext uri="{FF2B5EF4-FFF2-40B4-BE49-F238E27FC236}">
-                    <a16:creationId xmlns:a16="http://schemas.microsoft.com/office/drawing/2014/main" id="{27D69198-8974-4BFE-9F90-719B5B1F2EB3}"/>
-                  </a:ext>
-                </a:extLst>
-              </p:cNvPr>
-              <p:cNvCxnSpPr>
-                <a:stCxn id="97" idx="0"/>
-                <a:endCxn id="126" idx="3"/>
-              </p:cNvCxnSpPr>
-              <p:nvPr/>
-            </p:nvCxnSpPr>
-            <p:spPr>
-              <a:xfrm>
-                <a:off x="8971770" y="4235291"/>
-                <a:ext cx="999985" cy="1038479"/>
-              </a:xfrm>
-              <a:prstGeom prst="straightConnector1">
-                <a:avLst/>
-              </a:prstGeom>
-              <a:ln w="22225">
-                <a:solidFill>
-                  <a:schemeClr val="tx1"/>
-                </a:solidFill>
-                <a:tailEnd type="triangle"/>
-              </a:ln>
-            </p:spPr>
-            <p:style>
-              <a:lnRef idx="1">
-                <a:schemeClr val="accent1"/>
-              </a:lnRef>
-              <a:fillRef idx="0">
-                <a:schemeClr val="accent1"/>
-              </a:fillRef>
-              <a:effectRef idx="0">
-                <a:schemeClr val="accent1"/>
-              </a:effectRef>
-              <a:fontRef idx="minor">
-                <a:schemeClr val="tx1"/>
-              </a:fontRef>
-            </p:style>
-          </p:cxnSp>
-          <p:cxnSp>
-            <p:nvCxnSpPr>
-              <p:cNvPr id="83" name="Straight Arrow Connector 82">
-                <a:extLst>
-                  <a:ext uri="{FF2B5EF4-FFF2-40B4-BE49-F238E27FC236}">
-                    <a16:creationId xmlns:a16="http://schemas.microsoft.com/office/drawing/2014/main" id="{939837D2-A609-4FDA-957E-0620EA2D8BAB}"/>
-                  </a:ext>
-                </a:extLst>
-              </p:cNvPr>
-              <p:cNvCxnSpPr>
-                <a:stCxn id="101" idx="0"/>
-                <a:endCxn id="126" idx="3"/>
-              </p:cNvCxnSpPr>
-              <p:nvPr/>
-            </p:nvCxnSpPr>
-            <p:spPr>
-              <a:xfrm flipV="1">
-                <a:off x="8971770" y="5273770"/>
-                <a:ext cx="999985" cy="8061"/>
-              </a:xfrm>
-              <a:prstGeom prst="straightConnector1">
-                <a:avLst/>
-              </a:prstGeom>
-              <a:ln w="22225">
-                <a:solidFill>
-                  <a:schemeClr val="tx1"/>
-                </a:solidFill>
-                <a:tailEnd type="triangle"/>
-              </a:ln>
-            </p:spPr>
-            <p:style>
-              <a:lnRef idx="1">
-                <a:schemeClr val="accent1"/>
-              </a:lnRef>
-              <a:fillRef idx="0">
-                <a:schemeClr val="accent1"/>
-              </a:fillRef>
-              <a:effectRef idx="0">
-                <a:schemeClr val="accent1"/>
-              </a:effectRef>
-              <a:fontRef idx="minor">
-                <a:schemeClr val="tx1"/>
-              </a:fontRef>
-            </p:style>
-          </p:cxnSp>
-          <p:cxnSp>
-            <p:nvCxnSpPr>
-              <p:cNvPr id="84" name="Straight Arrow Connector 83">
-                <a:extLst>
-                  <a:ext uri="{FF2B5EF4-FFF2-40B4-BE49-F238E27FC236}">
-                    <a16:creationId xmlns:a16="http://schemas.microsoft.com/office/drawing/2014/main" id="{18552C49-1621-41C5-A16D-035ED2DD27A7}"/>
-                  </a:ext>
-                </a:extLst>
-              </p:cNvPr>
-              <p:cNvCxnSpPr>
-                <a:cxnSpLocks/>
-                <a:stCxn id="99" idx="3"/>
-                <a:endCxn id="126" idx="3"/>
-              </p:cNvCxnSpPr>
-              <p:nvPr/>
-            </p:nvCxnSpPr>
-            <p:spPr>
-              <a:xfrm flipV="1">
-                <a:off x="8971770" y="5273770"/>
-                <a:ext cx="999985" cy="944629"/>
-              </a:xfrm>
-              <a:prstGeom prst="straightConnector1">
-                <a:avLst/>
-              </a:prstGeom>
-              <a:ln w="22225">
-                <a:solidFill>
-                  <a:schemeClr val="tx1"/>
-                </a:solidFill>
-                <a:tailEnd type="triangle"/>
-              </a:ln>
-            </p:spPr>
-            <p:style>
-              <a:lnRef idx="1">
-                <a:schemeClr val="accent1"/>
-              </a:lnRef>
-              <a:fillRef idx="0">
-                <a:schemeClr val="accent1"/>
-              </a:fillRef>
-              <a:effectRef idx="0">
-                <a:schemeClr val="accent1"/>
-              </a:effectRef>
-              <a:fontRef idx="minor">
-                <a:schemeClr val="tx1"/>
-              </a:fontRef>
-            </p:style>
-          </p:cxnSp>
-          <p:grpSp>
-            <p:nvGrpSpPr>
-              <p:cNvPr id="85" name="Group 84">
-                <a:extLst>
-                  <a:ext uri="{FF2B5EF4-FFF2-40B4-BE49-F238E27FC236}">
-                    <a16:creationId xmlns:a16="http://schemas.microsoft.com/office/drawing/2014/main" id="{18285D40-61F7-409D-94BF-29DFEE852C65}"/>
-                  </a:ext>
-                </a:extLst>
-              </p:cNvPr>
-              <p:cNvGrpSpPr/>
-              <p:nvPr/>
-            </p:nvGrpSpPr>
-            <p:grpSpPr>
-              <a:xfrm>
-                <a:off x="4321763" y="3746349"/>
-                <a:ext cx="1521398" cy="917917"/>
-                <a:chOff x="4321763" y="3746349"/>
-                <a:chExt cx="1521398" cy="917917"/>
-              </a:xfrm>
-            </p:grpSpPr>
-            <p:sp>
-              <p:nvSpPr>
-                <p:cNvPr id="95" name="Hexagon 94">
-                  <a:extLst>
-                    <a:ext uri="{FF2B5EF4-FFF2-40B4-BE49-F238E27FC236}">
-                      <a16:creationId xmlns:a16="http://schemas.microsoft.com/office/drawing/2014/main" id="{7FF2C5D8-F1F9-489F-9D6C-174C6A915E53}"/>
-                    </a:ext>
-                  </a:extLst>
-                </p:cNvPr>
-                <p:cNvSpPr/>
-                <p:nvPr/>
-              </p:nvSpPr>
-              <p:spPr>
-                <a:xfrm>
-                  <a:off x="4326300" y="3746349"/>
-                  <a:ext cx="1516861" cy="917917"/>
-                </a:xfrm>
-                <a:prstGeom prst="hexagon">
-                  <a:avLst/>
-                </a:prstGeom>
-                <a:solidFill>
-                  <a:schemeClr val="accent6">
-                    <a:lumMod val="75000"/>
-                    <a:alpha val="75000"/>
-                  </a:schemeClr>
-                </a:solidFill>
-                <a:ln>
-                  <a:solidFill>
-                    <a:schemeClr val="tx1">
-                      <a:lumMod val="50000"/>
-                      <a:lumOff val="50000"/>
-                    </a:schemeClr>
-                  </a:solidFill>
-                </a:ln>
-              </p:spPr>
-              <p:style>
-                <a:lnRef idx="2">
-                  <a:schemeClr val="accent1">
-                    <a:shade val="50000"/>
-                  </a:schemeClr>
-                </a:lnRef>
-                <a:fillRef idx="1">
-                  <a:schemeClr val="accent1"/>
-                </a:fillRef>
-                <a:effectRef idx="0">
-                  <a:schemeClr val="accent1"/>
-                </a:effectRef>
-                <a:fontRef idx="minor">
-                  <a:schemeClr val="lt1"/>
-                </a:fontRef>
-              </p:style>
-              <p:txBody>
-                <a:bodyPr rtlCol="0" anchor="ctr"/>
-                <a:lstStyle/>
-                <a:p>
-                  <a:pPr algn="ctr"/>
-                  <a:endParaRPr lang="en-US"/>
-                </a:p>
-              </p:txBody>
-            </p:sp>
-            <p:sp>
-              <p:nvSpPr>
-                <p:cNvPr id="96" name="TextBox 95">
-                  <a:extLst>
-                    <a:ext uri="{FF2B5EF4-FFF2-40B4-BE49-F238E27FC236}">
-                      <a16:creationId xmlns:a16="http://schemas.microsoft.com/office/drawing/2014/main" id="{CF58A256-90E7-4B4A-BD7A-10E5F8C21B9B}"/>
-                    </a:ext>
-                  </a:extLst>
-                </p:cNvPr>
-                <p:cNvSpPr txBox="1"/>
-                <p:nvPr/>
-              </p:nvSpPr>
-              <p:spPr>
-                <a:xfrm>
-                  <a:off x="4321763" y="3800969"/>
-                  <a:ext cx="1516861" cy="815608"/>
-                </a:xfrm>
-                <a:prstGeom prst="rect">
-                  <a:avLst/>
-                </a:prstGeom>
-                <a:noFill/>
-              </p:spPr>
-              <p:txBody>
-                <a:bodyPr wrap="square" rtlCol="0">
-                  <a:spAutoFit/>
-                </a:bodyPr>
-                <a:lstStyle/>
-                <a:p>
-                  <a:pPr algn="ctr"/>
-                  <a:r>
-                    <a:rPr lang="en-US" dirty="0"/>
-                    <a:t>Age-0</a:t>
-                  </a:r>
-                </a:p>
-                <a:p>
-                  <a:pPr algn="ctr"/>
-                  <a:r>
-                    <a:rPr lang="en-US" dirty="0"/>
-                    <a:t>Survival </a:t>
-                  </a:r>
-                </a:p>
-                <a:p>
-                  <a:pPr algn="ctr"/>
-                  <a:r>
-                    <a:rPr lang="en-US" sz="1100" dirty="0"/>
-                    <a:t>(Free Flowing River)</a:t>
-                  </a:r>
-                </a:p>
-              </p:txBody>
-            </p:sp>
-          </p:grpSp>
-          <p:grpSp>
-            <p:nvGrpSpPr>
-              <p:cNvPr id="86" name="Group 85">
-                <a:extLst>
-                  <a:ext uri="{FF2B5EF4-FFF2-40B4-BE49-F238E27FC236}">
-                    <a16:creationId xmlns:a16="http://schemas.microsoft.com/office/drawing/2014/main" id="{2CC08C41-40FB-4185-B4A1-7BE9AD5BDA47}"/>
-                  </a:ext>
-                </a:extLst>
-              </p:cNvPr>
-              <p:cNvGrpSpPr/>
-              <p:nvPr/>
-            </p:nvGrpSpPr>
-            <p:grpSpPr>
-              <a:xfrm>
-                <a:off x="514170" y="1475167"/>
-                <a:ext cx="2023706" cy="1477328"/>
-                <a:chOff x="514170" y="1607687"/>
-                <a:chExt cx="2023706" cy="1477328"/>
-              </a:xfrm>
-            </p:grpSpPr>
-            <p:sp>
-              <p:nvSpPr>
-                <p:cNvPr id="91" name="TextBox 90">
-                  <a:extLst>
-                    <a:ext uri="{FF2B5EF4-FFF2-40B4-BE49-F238E27FC236}">
-                      <a16:creationId xmlns:a16="http://schemas.microsoft.com/office/drawing/2014/main" id="{2BFC36C0-80C7-4104-B482-3363BCE9458C}"/>
-                    </a:ext>
-                  </a:extLst>
-                </p:cNvPr>
-                <p:cNvSpPr txBox="1"/>
-                <p:nvPr/>
-              </p:nvSpPr>
-              <p:spPr>
-                <a:xfrm>
-                  <a:off x="514170" y="1607687"/>
-                  <a:ext cx="2023706" cy="1477328"/>
-                </a:xfrm>
-                <a:prstGeom prst="rect">
-                  <a:avLst/>
-                </a:prstGeom>
-                <a:noFill/>
-                <a:ln w="19050">
-                  <a:solidFill>
-                    <a:schemeClr val="tx1">
-                      <a:lumMod val="50000"/>
-                      <a:lumOff val="50000"/>
-                    </a:schemeClr>
-                  </a:solidFill>
-                </a:ln>
-              </p:spPr>
-              <p:txBody>
-                <a:bodyPr wrap="square" rtlCol="0">
-                  <a:spAutoFit/>
-                </a:bodyPr>
-                <a:lstStyle/>
-                <a:p>
-                  <a:pPr algn="ctr"/>
-                  <a:endParaRPr lang="en-US" dirty="0"/>
-                </a:p>
-                <a:p>
-                  <a:pPr algn="ctr"/>
-                  <a:endParaRPr lang="en-US" dirty="0"/>
-                </a:p>
-                <a:p>
-                  <a:pPr algn="ctr"/>
-                  <a:endParaRPr lang="en-US" dirty="0"/>
-                </a:p>
-                <a:p>
-                  <a:pPr algn="ctr"/>
-                  <a:endParaRPr lang="en-US" dirty="0"/>
-                </a:p>
-                <a:p>
-                  <a:pPr algn="ctr"/>
-                  <a:r>
-                    <a:rPr lang="en-US" dirty="0"/>
-                    <a:t>Spawning Model</a:t>
-                  </a:r>
-                </a:p>
-              </p:txBody>
-            </p:sp>
-            <p:grpSp>
-              <p:nvGrpSpPr>
-                <p:cNvPr id="92" name="Group 91">
-                  <a:extLst>
-                    <a:ext uri="{FF2B5EF4-FFF2-40B4-BE49-F238E27FC236}">
-                      <a16:creationId xmlns:a16="http://schemas.microsoft.com/office/drawing/2014/main" id="{F36F6DA2-7646-404C-A00C-71A2ADCD4DD0}"/>
-                    </a:ext>
-                  </a:extLst>
-                </p:cNvPr>
-                <p:cNvGrpSpPr/>
-                <p:nvPr/>
-              </p:nvGrpSpPr>
-              <p:grpSpPr>
-                <a:xfrm>
-                  <a:off x="767591" y="1796302"/>
-                  <a:ext cx="1516862" cy="917917"/>
-                  <a:chOff x="767591" y="2007319"/>
-                  <a:chExt cx="1516862" cy="917917"/>
-                </a:xfrm>
-              </p:grpSpPr>
-              <p:sp>
-                <p:nvSpPr>
-                  <p:cNvPr id="93" name="Hexagon 92">
-                    <a:extLst>
-                      <a:ext uri="{FF2B5EF4-FFF2-40B4-BE49-F238E27FC236}">
-                        <a16:creationId xmlns:a16="http://schemas.microsoft.com/office/drawing/2014/main" id="{096B4C77-79B9-427B-828F-231318BF48B2}"/>
-                      </a:ext>
-                    </a:extLst>
-                  </p:cNvPr>
-                  <p:cNvSpPr/>
-                  <p:nvPr/>
-                </p:nvSpPr>
-                <p:spPr>
-                  <a:xfrm>
-                    <a:off x="767592" y="2007319"/>
-                    <a:ext cx="1516861" cy="917917"/>
-                  </a:xfrm>
-                  <a:prstGeom prst="hexagon">
-                    <a:avLst/>
-                  </a:prstGeom>
-                  <a:solidFill>
-                    <a:srgbClr val="C00000">
-                      <a:alpha val="50000"/>
-                    </a:srgbClr>
-                  </a:solidFill>
-                  <a:ln>
-                    <a:solidFill>
-                      <a:schemeClr val="tx1">
-                        <a:lumMod val="50000"/>
-                        <a:lumOff val="50000"/>
-                      </a:schemeClr>
-                    </a:solidFill>
-                  </a:ln>
-                </p:spPr>
-                <p:style>
-                  <a:lnRef idx="2">
-                    <a:schemeClr val="accent1">
-                      <a:shade val="50000"/>
-                    </a:schemeClr>
-                  </a:lnRef>
-                  <a:fillRef idx="1">
-                    <a:schemeClr val="accent1"/>
-                  </a:fillRef>
-                  <a:effectRef idx="0">
-                    <a:schemeClr val="accent1"/>
-                  </a:effectRef>
-                  <a:fontRef idx="minor">
-                    <a:schemeClr val="lt1"/>
-                  </a:fontRef>
-                </p:style>
-                <p:txBody>
-                  <a:bodyPr rtlCol="0" anchor="ctr"/>
-                  <a:lstStyle/>
-                  <a:p>
-                    <a:pPr algn="ctr"/>
-                    <a:endParaRPr lang="en-US"/>
-                  </a:p>
-                </p:txBody>
-              </p:sp>
-              <p:sp>
-                <p:nvSpPr>
-                  <p:cNvPr id="94" name="TextBox 93">
-                    <a:extLst>
-                      <a:ext uri="{FF2B5EF4-FFF2-40B4-BE49-F238E27FC236}">
-                        <a16:creationId xmlns:a16="http://schemas.microsoft.com/office/drawing/2014/main" id="{559DF579-473B-47A7-BBBD-DFB5AE11C1B8}"/>
-                      </a:ext>
-                    </a:extLst>
-                  </p:cNvPr>
-                  <p:cNvSpPr txBox="1"/>
-                  <p:nvPr/>
-                </p:nvSpPr>
-                <p:spPr>
-                  <a:xfrm>
-                    <a:off x="767591" y="2125131"/>
-                    <a:ext cx="1516861" cy="646331"/>
-                  </a:xfrm>
-                  <a:prstGeom prst="rect">
-                    <a:avLst/>
-                  </a:prstGeom>
-                  <a:noFill/>
-                </p:spPr>
-                <p:txBody>
-                  <a:bodyPr wrap="square" rtlCol="0">
-                    <a:spAutoFit/>
-                  </a:bodyPr>
-                  <a:lstStyle/>
-                  <a:p>
-                    <a:pPr algn="ctr"/>
-                    <a:r>
-                      <a:rPr lang="en-US" dirty="0"/>
-                      <a:t>Spawning Probability</a:t>
-                    </a:r>
-                    <a:endParaRPr lang="en-US" sz="1100" dirty="0"/>
-                  </a:p>
-                </p:txBody>
-              </p:sp>
-            </p:grpSp>
-          </p:grpSp>
-          <p:cxnSp>
-            <p:nvCxnSpPr>
-              <p:cNvPr id="87" name="Straight Arrow Connector 86">
-                <a:extLst>
-                  <a:ext uri="{FF2B5EF4-FFF2-40B4-BE49-F238E27FC236}">
-                    <a16:creationId xmlns:a16="http://schemas.microsoft.com/office/drawing/2014/main" id="{6D18C5EB-5544-4F34-AC2E-CD9D05FD6AA9}"/>
-                  </a:ext>
-                </a:extLst>
-              </p:cNvPr>
-              <p:cNvCxnSpPr>
-                <a:cxnSpLocks/>
-                <a:stCxn id="93" idx="0"/>
-                <a:endCxn id="103" idx="3"/>
-              </p:cNvCxnSpPr>
-              <p:nvPr/>
-            </p:nvCxnSpPr>
-            <p:spPr>
-              <a:xfrm>
-                <a:off x="2284453" y="2122741"/>
-                <a:ext cx="1866844" cy="3332914"/>
-              </a:xfrm>
-              <a:prstGeom prst="straightConnector1">
-                <a:avLst/>
-              </a:prstGeom>
-              <a:ln w="22225">
-                <a:solidFill>
-                  <a:schemeClr val="tx1"/>
-                </a:solidFill>
-                <a:tailEnd type="triangle"/>
-              </a:ln>
-            </p:spPr>
-            <p:style>
-              <a:lnRef idx="1">
-                <a:schemeClr val="accent1"/>
-              </a:lnRef>
-              <a:fillRef idx="0">
-                <a:schemeClr val="accent1"/>
-              </a:fillRef>
-              <a:effectRef idx="0">
-                <a:schemeClr val="accent1"/>
-              </a:effectRef>
-              <a:fontRef idx="minor">
-                <a:schemeClr val="tx1"/>
-              </a:fontRef>
-            </p:style>
-          </p:cxnSp>
-          <p:cxnSp>
-            <p:nvCxnSpPr>
-              <p:cNvPr id="88" name="Straight Arrow Connector 87">
-                <a:extLst>
-                  <a:ext uri="{FF2B5EF4-FFF2-40B4-BE49-F238E27FC236}">
-                    <a16:creationId xmlns:a16="http://schemas.microsoft.com/office/drawing/2014/main" id="{F7D6C3CB-29CE-4FA5-953C-55D41A3A9D13}"/>
-                  </a:ext>
-                </a:extLst>
-              </p:cNvPr>
-              <p:cNvCxnSpPr>
-                <a:cxnSpLocks/>
-                <a:stCxn id="95" idx="0"/>
-                <a:endCxn id="97" idx="3"/>
-              </p:cNvCxnSpPr>
-              <p:nvPr/>
-            </p:nvCxnSpPr>
-            <p:spPr>
-              <a:xfrm>
-                <a:off x="5843161" y="4205308"/>
-                <a:ext cx="1611748" cy="29983"/>
-              </a:xfrm>
-              <a:prstGeom prst="straightConnector1">
-                <a:avLst/>
-              </a:prstGeom>
-              <a:ln w="22225">
-                <a:solidFill>
-                  <a:schemeClr val="tx1"/>
-                </a:solidFill>
-                <a:tailEnd type="triangle"/>
-              </a:ln>
-            </p:spPr>
-            <p:style>
-              <a:lnRef idx="1">
-                <a:schemeClr val="accent1"/>
-              </a:lnRef>
-              <a:fillRef idx="0">
-                <a:schemeClr val="accent1"/>
-              </a:fillRef>
-              <a:effectRef idx="0">
-                <a:schemeClr val="accent1"/>
-              </a:effectRef>
-              <a:fontRef idx="minor">
-                <a:schemeClr val="tx1"/>
-              </a:fontRef>
-            </p:style>
-          </p:cxnSp>
-          <p:cxnSp>
-            <p:nvCxnSpPr>
-              <p:cNvPr id="89" name="Straight Arrow Connector 88">
-                <a:extLst>
-                  <a:ext uri="{FF2B5EF4-FFF2-40B4-BE49-F238E27FC236}">
-                    <a16:creationId xmlns:a16="http://schemas.microsoft.com/office/drawing/2014/main" id="{05935539-42B7-403A-9E16-AEE6179A1BDF}"/>
-                  </a:ext>
-                </a:extLst>
-              </p:cNvPr>
-              <p:cNvCxnSpPr>
-                <a:cxnSpLocks/>
-                <a:stCxn id="120" idx="0"/>
-                <a:endCxn id="97" idx="3"/>
-              </p:cNvCxnSpPr>
-              <p:nvPr/>
-            </p:nvCxnSpPr>
-            <p:spPr>
-              <a:xfrm>
-                <a:off x="5832812" y="2335848"/>
-                <a:ext cx="1622097" cy="1899443"/>
-              </a:xfrm>
-              <a:prstGeom prst="straightConnector1">
-                <a:avLst/>
-              </a:prstGeom>
-              <a:ln w="22225">
-                <a:solidFill>
-                  <a:schemeClr val="tx1"/>
-                </a:solidFill>
-                <a:tailEnd type="triangle"/>
-              </a:ln>
-            </p:spPr>
-            <p:style>
-              <a:lnRef idx="1">
-                <a:schemeClr val="accent1"/>
-              </a:lnRef>
-              <a:fillRef idx="0">
-                <a:schemeClr val="accent1"/>
-              </a:fillRef>
-              <a:effectRef idx="0">
-                <a:schemeClr val="accent1"/>
-              </a:effectRef>
-              <a:fontRef idx="minor">
-                <a:schemeClr val="tx1"/>
-              </a:fontRef>
-            </p:style>
-          </p:cxnSp>
-          <p:cxnSp>
-            <p:nvCxnSpPr>
-              <p:cNvPr id="90" name="Straight Arrow Connector 89">
-                <a:extLst>
-                  <a:ext uri="{FF2B5EF4-FFF2-40B4-BE49-F238E27FC236}">
-                    <a16:creationId xmlns:a16="http://schemas.microsoft.com/office/drawing/2014/main" id="{EB22E848-4ED1-442B-A844-703A8B0EB4A8}"/>
-                  </a:ext>
-                </a:extLst>
-              </p:cNvPr>
-              <p:cNvCxnSpPr>
-                <a:stCxn id="117" idx="3"/>
-                <a:endCxn id="104" idx="1"/>
-              </p:cNvCxnSpPr>
-              <p:nvPr/>
-            </p:nvCxnSpPr>
-            <p:spPr>
-              <a:xfrm>
-                <a:off x="2532562" y="3610780"/>
-                <a:ext cx="1618735" cy="1856188"/>
-              </a:xfrm>
-              <a:prstGeom prst="straightConnector1">
-                <a:avLst/>
-              </a:prstGeom>
-              <a:ln w="22225">
-                <a:solidFill>
-                  <a:schemeClr val="tx1"/>
-                </a:solidFill>
-                <a:tailEnd type="triangle"/>
-              </a:ln>
-            </p:spPr>
-            <p:style>
-              <a:lnRef idx="1">
-                <a:schemeClr val="accent1"/>
-              </a:lnRef>
-              <a:fillRef idx="0">
-                <a:schemeClr val="accent1"/>
-              </a:fillRef>
-              <a:effectRef idx="0">
-                <a:schemeClr val="accent1"/>
-              </a:effectRef>
-              <a:fontRef idx="minor">
-                <a:schemeClr val="tx1"/>
-              </a:fontRef>
-            </p:style>
-          </p:cxnSp>
+            <p:txBody>
+              <a:bodyPr wrap="square" rtlCol="0">
+                <a:spAutoFit/>
+              </a:bodyPr>
+              <a:lstStyle/>
+              <a:p>
+                <a:pPr algn="ctr"/>
+                <a:r>
+                  <a:rPr lang="en-US" dirty="0"/>
+                  <a:t>Age-0</a:t>
+                </a:r>
+              </a:p>
+              <a:p>
+                <a:pPr algn="ctr"/>
+                <a:r>
+                  <a:rPr lang="en-US" dirty="0"/>
+                  <a:t>Survival </a:t>
+                </a:r>
+              </a:p>
+              <a:p>
+                <a:pPr algn="ctr"/>
+                <a:r>
+                  <a:rPr lang="en-US" sz="1600" dirty="0"/>
+                  <a:t>Given Retention</a:t>
+                </a:r>
+              </a:p>
+            </p:txBody>
+          </p:sp>
         </p:grpSp>
       </p:grpSp>
     </p:spTree>
